--- a/기획/코드어드벤쳐 ppt.pptx
+++ b/기획/코드어드벤쳐 ppt.pptx
@@ -5,16 +5,18 @@
     <p:sldMasterId id="2147483858" r:id="rId4"/>
   </p:sldMasterIdLst>
   <p:notesMasterIdLst>
-    <p:notesMasterId r:id="rId9"/>
+    <p:notesMasterId r:id="rId11"/>
   </p:notesMasterIdLst>
   <p:handoutMasterIdLst>
-    <p:handoutMasterId r:id="rId10"/>
+    <p:handoutMasterId r:id="rId12"/>
   </p:handoutMasterIdLst>
   <p:sldIdLst>
     <p:sldId id="256" r:id="rId5"/>
     <p:sldId id="257" r:id="rId6"/>
     <p:sldId id="259" r:id="rId7"/>
     <p:sldId id="258" r:id="rId8"/>
+    <p:sldId id="260" r:id="rId9"/>
+    <p:sldId id="261" r:id="rId10"/>
   </p:sldIdLst>
   <p:sldSz cx="12192000" cy="6858000"/>
   <p:notesSz cx="6858000" cy="9144000"/>
@@ -3875,7 +3877,7 @@
                 <a16:creationId xmlns:a16="http://schemas.microsoft.com/office/drawing/2014/main" id="{0B761509-3B9A-49A6-A84B-C3D86811697D}"/>
               </a:ext>
               <a:ext uri="{C183D7F6-B498-43B3-948B-1728B52AA6E4}">
-                <adec:decorative xmlns="" xmlns:adec="http://schemas.microsoft.com/office/drawing/2017/decorative" val="1"/>
+                <adec:decorative xmlns:adec="http://schemas.microsoft.com/office/drawing/2017/decorative" xmlns="" val="1"/>
               </a:ext>
             </a:extLst>
           </p:cNvPr>
@@ -3938,7 +3940,7 @@
                 <a16:creationId xmlns:a16="http://schemas.microsoft.com/office/drawing/2014/main" id="{91DE43FD-EB47-414A-B0AB-169B0FFFA527}"/>
               </a:ext>
               <a:ext uri="{C183D7F6-B498-43B3-948B-1728B52AA6E4}">
-                <adec:decorative xmlns="" xmlns:adec="http://schemas.microsoft.com/office/drawing/2017/decorative" val="1"/>
+                <adec:decorative xmlns:adec="http://schemas.microsoft.com/office/drawing/2017/decorative" xmlns="" val="1"/>
               </a:ext>
             </a:extLst>
           </p:cNvPr>
@@ -4143,7 +4145,7 @@
                 <a16:creationId xmlns:a16="http://schemas.microsoft.com/office/drawing/2014/main" id="{58495BCC-CE77-4CC2-952E-846F41119FD5}"/>
               </a:ext>
               <a:ext uri="{C183D7F6-B498-43B3-948B-1728B52AA6E4}">
-                <adec:decorative xmlns="" xmlns:adec="http://schemas.microsoft.com/office/drawing/2017/decorative" val="1"/>
+                <adec:decorative xmlns:adec="http://schemas.microsoft.com/office/drawing/2017/decorative" xmlns="" val="1"/>
               </a:ext>
             </a:extLst>
           </p:cNvPr>
@@ -4174,7 +4176,7 @@
                   <a16:creationId xmlns:a16="http://schemas.microsoft.com/office/drawing/2014/main" id="{1B42538B-E30F-4967-A6C1-8EBA775F4D60}"/>
                 </a:ext>
                 <a:ext uri="{C183D7F6-B498-43B3-948B-1728B52AA6E4}">
-                  <adec:decorative xmlns="" xmlns:adec="http://schemas.microsoft.com/office/drawing/2017/decorative" val="1"/>
+                  <adec:decorative xmlns:adec="http://schemas.microsoft.com/office/drawing/2017/decorative" xmlns="" val="1"/>
                 </a:ext>
               </a:extLst>
             </p:cNvPr>
@@ -4361,7 +4363,7 @@
                   <a16:creationId xmlns:a16="http://schemas.microsoft.com/office/drawing/2014/main" id="{9A6BD9AC-4DE7-4B20-8547-4E3B375C21F7}"/>
                 </a:ext>
                 <a:ext uri="{C183D7F6-B498-43B3-948B-1728B52AA6E4}">
-                  <adec:decorative xmlns="" xmlns:adec="http://schemas.microsoft.com/office/drawing/2017/decorative" val="1"/>
+                  <adec:decorative xmlns:adec="http://schemas.microsoft.com/office/drawing/2017/decorative" xmlns="" val="1"/>
                 </a:ext>
               </a:extLst>
             </p:cNvPr>
@@ -4927,7 +4929,7 @@
                 <a16:creationId xmlns:a16="http://schemas.microsoft.com/office/drawing/2014/main" id="{0DBF1ABE-8590-450D-BB49-BDDCCF3EEA9E}"/>
               </a:ext>
               <a:ext uri="{C183D7F6-B498-43B3-948B-1728B52AA6E4}">
-                <adec:decorative xmlns="" xmlns:adec="http://schemas.microsoft.com/office/drawing/2017/decorative" val="1"/>
+                <adec:decorative xmlns:adec="http://schemas.microsoft.com/office/drawing/2017/decorative" xmlns="" val="1"/>
               </a:ext>
             </a:extLst>
           </p:cNvPr>
@@ -4998,7 +5000,7 @@
                 <a16:creationId xmlns:a16="http://schemas.microsoft.com/office/drawing/2014/main" id="{39B130F1-CBA7-4431-B821-F88949C0E4DF}"/>
               </a:ext>
               <a:ext uri="{C183D7F6-B498-43B3-948B-1728B52AA6E4}">
-                <adec:decorative xmlns="" xmlns:adec="http://schemas.microsoft.com/office/drawing/2017/decorative" val="1"/>
+                <adec:decorative xmlns:adec="http://schemas.microsoft.com/office/drawing/2017/decorative" xmlns="" val="1"/>
               </a:ext>
             </a:extLst>
           </p:cNvPr>
@@ -5263,7 +5265,7 @@
                 <a16:creationId xmlns:a16="http://schemas.microsoft.com/office/drawing/2014/main" id="{218801D6-A286-4666-A61D-F7177BB5975C}"/>
               </a:ext>
               <a:ext uri="{C183D7F6-B498-43B3-948B-1728B52AA6E4}">
-                <adec:decorative xmlns="" xmlns:adec="http://schemas.microsoft.com/office/drawing/2017/decorative" val="1"/>
+                <adec:decorative xmlns:adec="http://schemas.microsoft.com/office/drawing/2017/decorative" xmlns="" val="1"/>
               </a:ext>
             </a:extLst>
           </p:cNvPr>
@@ -5558,7 +5560,7 @@
                 <a16:creationId xmlns:a16="http://schemas.microsoft.com/office/drawing/2014/main" id="{08519B2C-6AAA-4729-A64B-8A55A068286E}"/>
               </a:ext>
               <a:ext uri="{C183D7F6-B498-43B3-948B-1728B52AA6E4}">
-                <adec:decorative xmlns="" xmlns:adec="http://schemas.microsoft.com/office/drawing/2017/decorative" val="1"/>
+                <adec:decorative xmlns:adec="http://schemas.microsoft.com/office/drawing/2017/decorative" xmlns="" val="1"/>
               </a:ext>
             </a:extLst>
           </p:cNvPr>
@@ -5784,7 +5786,7 @@
                 <a16:creationId xmlns:a16="http://schemas.microsoft.com/office/drawing/2014/main" id="{5FE92761-D4A8-4823-A18B-685088E1049A}"/>
               </a:ext>
               <a:ext uri="{C183D7F6-B498-43B3-948B-1728B52AA6E4}">
-                <adec:decorative xmlns="" xmlns:adec="http://schemas.microsoft.com/office/drawing/2017/decorative" val="1"/>
+                <adec:decorative xmlns:adec="http://schemas.microsoft.com/office/drawing/2017/decorative" xmlns="" val="1"/>
               </a:ext>
             </a:extLst>
           </p:cNvPr>
@@ -6040,7 +6042,7 @@
                 <a16:creationId xmlns:a16="http://schemas.microsoft.com/office/drawing/2014/main" id="{0666ED1E-25EB-48D9-8568-7F19B6BECECE}"/>
               </a:ext>
               <a:ext uri="{C183D7F6-B498-43B3-948B-1728B52AA6E4}">
-                <adec:decorative xmlns="" xmlns:adec="http://schemas.microsoft.com/office/drawing/2017/decorative" val="1"/>
+                <adec:decorative xmlns:adec="http://schemas.microsoft.com/office/drawing/2017/decorative" xmlns="" val="1"/>
               </a:ext>
             </a:extLst>
           </p:cNvPr>
@@ -6305,7 +6307,7 @@
                 <a16:creationId xmlns:a16="http://schemas.microsoft.com/office/drawing/2014/main" id="{AFFD3B06-AF06-421C-A290-681BC2739369}"/>
               </a:ext>
               <a:ext uri="{C183D7F6-B498-43B3-948B-1728B52AA6E4}">
-                <adec:decorative xmlns="" xmlns:adec="http://schemas.microsoft.com/office/drawing/2017/decorative" val="1"/>
+                <adec:decorative xmlns:adec="http://schemas.microsoft.com/office/drawing/2017/decorative" xmlns="" val="1"/>
               </a:ext>
             </a:extLst>
           </p:cNvPr>
@@ -6600,7 +6602,7 @@
                 <a16:creationId xmlns:a16="http://schemas.microsoft.com/office/drawing/2014/main" id="{639E5FDC-2624-4BF8-82F2-90664FC65FE7}"/>
               </a:ext>
               <a:ext uri="{C183D7F6-B498-43B3-948B-1728B52AA6E4}">
-                <adec:decorative xmlns="" xmlns:adec="http://schemas.microsoft.com/office/drawing/2017/decorative" val="1"/>
+                <adec:decorative xmlns:adec="http://schemas.microsoft.com/office/drawing/2017/decorative" xmlns="" val="1"/>
               </a:ext>
             </a:extLst>
           </p:cNvPr>
@@ -6826,7 +6828,7 @@
                 <a16:creationId xmlns:a16="http://schemas.microsoft.com/office/drawing/2014/main" id="{F4E864A8-F363-45E0-856E-D368F894426C}"/>
               </a:ext>
               <a:ext uri="{C183D7F6-B498-43B3-948B-1728B52AA6E4}">
-                <adec:decorative xmlns="" xmlns:adec="http://schemas.microsoft.com/office/drawing/2017/decorative" val="1"/>
+                <adec:decorative xmlns:adec="http://schemas.microsoft.com/office/drawing/2017/decorative" xmlns="" val="1"/>
               </a:ext>
             </a:extLst>
           </p:cNvPr>
@@ -8453,6 +8455,54 @@
           </a:p>
         </p:txBody>
       </p:sp>
+      <p:pic>
+        <p:nvPicPr>
+          <p:cNvPr id="6" name="그림 5"/>
+          <p:cNvPicPr>
+            <a:picLocks noChangeAspect="1"/>
+          </p:cNvPicPr>
+          <p:nvPr/>
+        </p:nvPicPr>
+        <p:blipFill>
+          <a:blip r:embed="rId3"/>
+          <a:stretch>
+            <a:fillRect/>
+          </a:stretch>
+        </p:blipFill>
+        <p:spPr>
+          <a:xfrm>
+            <a:off x="4376792" y="1930723"/>
+            <a:ext cx="3070294" cy="1460594"/>
+          </a:xfrm>
+          <a:prstGeom prst="rect">
+            <a:avLst/>
+          </a:prstGeom>
+        </p:spPr>
+      </p:pic>
+      <p:pic>
+        <p:nvPicPr>
+          <p:cNvPr id="7" name="그림 6"/>
+          <p:cNvPicPr>
+            <a:picLocks noChangeAspect="1"/>
+          </p:cNvPicPr>
+          <p:nvPr/>
+        </p:nvPicPr>
+        <p:blipFill>
+          <a:blip r:embed="rId4"/>
+          <a:stretch>
+            <a:fillRect/>
+          </a:stretch>
+        </p:blipFill>
+        <p:spPr>
+          <a:xfrm>
+            <a:off x="4376792" y="3599047"/>
+            <a:ext cx="3118381" cy="1470120"/>
+          </a:xfrm>
+          <a:prstGeom prst="rect">
+            <a:avLst/>
+          </a:prstGeom>
+        </p:spPr>
+      </p:pic>
     </p:spTree>
     <p:extLst>
       <p:ext uri="{BB962C8B-B14F-4D97-AF65-F5344CB8AC3E}">
@@ -8648,7 +8698,7 @@
                                     <p:cond delay="0"/>
                                   </p:stCondLst>
                                   <p:childTnLst>
-                                    <p:animMotion origin="layout" path="M 2.91667E-6 -4.44444E-6 L 2.91667E-6 -0.38796 " pathEditMode="relative" rAng="0" ptsTypes="AA">
+                                    <p:animMotion origin="layout" path="M 2.91667E-6 -4.44444E-6 L 2.91667E-6 -0.32013 " pathEditMode="relative" rAng="0" ptsTypes="AA">
                                       <p:cBhvr>
                                         <p:cTn id="21" dur="2000" fill="hold"/>
                                         <p:tgtEl>
@@ -8659,7 +8709,7 @@
                                           <p:attrName>ppt_y</p:attrName>
                                         </p:attrNameLst>
                                       </p:cBhvr>
-                                      <p:rCtr x="0" y="-19398"/>
+                                      <p:rCtr x="0" y="-16019"/>
                                     </p:animMotion>
                                   </p:childTnLst>
                                 </p:cTn>
@@ -8688,7 +8738,7 @@
                                     <p:cond delay="0"/>
                                   </p:stCondLst>
                                   <p:childTnLst>
-                                    <p:animMotion origin="layout" path="M -4.58333E-6 1.11111E-6 L -4.58333E-6 -0.38866 " pathEditMode="relative" rAng="0" ptsTypes="AA">
+                                    <p:animMotion origin="layout" path="M -4.58333E-6 1.11111E-6 L -4.58333E-6 -0.32083 " pathEditMode="relative" rAng="0" ptsTypes="AA">
                                       <p:cBhvr>
                                         <p:cTn id="25" dur="2000" fill="hold"/>
                                         <p:tgtEl>
@@ -8699,7 +8749,7 @@
                                           <p:attrName>ppt_y</p:attrName>
                                         </p:attrNameLst>
                                       </p:cBhvr>
-                                      <p:rCtr x="0" y="-19444"/>
+                                      <p:rCtr x="0" y="-16042"/>
                                     </p:animMotion>
                                   </p:childTnLst>
                                 </p:cTn>
@@ -8728,7 +8778,7 @@
                                     <p:cond delay="0"/>
                                   </p:stCondLst>
                                   <p:childTnLst>
-                                    <p:animMotion origin="layout" path="M -1.875E-6 1.11111E-6 L -1.875E-6 -0.38241 " pathEditMode="relative" rAng="0" ptsTypes="AA">
+                                    <p:animMotion origin="layout" path="M -1.875E-6 1.11111E-6 L -1.875E-6 -0.31968 " pathEditMode="relative" rAng="0" ptsTypes="AA">
                                       <p:cBhvr>
                                         <p:cTn id="29" dur="2000" fill="hold"/>
                                         <p:tgtEl>
@@ -8739,7 +8789,7 @@
                                           <p:attrName>ppt_y</p:attrName>
                                         </p:attrNameLst>
                                       </p:cBhvr>
-                                      <p:rCtr x="0" y="-19120"/>
+                                      <p:rCtr x="0" y="-15995"/>
                                     </p:animMotion>
                                   </p:childTnLst>
                                 </p:cTn>
@@ -8779,6 +8829,126 @@
       <p:bldP spid="5" grpId="0"/>
       <p:bldP spid="5" grpId="1"/>
     </p:bldLst>
+  </p:timing>
+</p:sld>
+</file>
+
+<file path=ppt/slides/slide5.xml><?xml version="1.0" encoding="utf-8"?>
+<p:sld xmlns:a="http://schemas.openxmlformats.org/drawingml/2006/main" xmlns:r="http://schemas.openxmlformats.org/officeDocument/2006/relationships" xmlns:p="http://schemas.openxmlformats.org/presentationml/2006/main">
+  <p:cSld>
+    <p:spTree>
+      <p:nvGrpSpPr>
+        <p:cNvPr id="1" name=""/>
+        <p:cNvGrpSpPr/>
+        <p:nvPr/>
+      </p:nvGrpSpPr>
+      <p:grpSpPr>
+        <a:xfrm>
+          <a:off x="0" y="0"/>
+          <a:ext cx="0" cy="0"/>
+          <a:chOff x="0" y="0"/>
+          <a:chExt cx="0" cy="0"/>
+        </a:xfrm>
+      </p:grpSpPr>
+      <p:sp>
+        <p:nvSpPr>
+          <p:cNvPr id="2" name="제목 1"/>
+          <p:cNvSpPr>
+            <a:spLocks noGrp="1"/>
+          </p:cNvSpPr>
+          <p:nvPr>
+            <p:ph type="title"/>
+          </p:nvPr>
+        </p:nvSpPr>
+        <p:spPr/>
+        <p:txBody>
+          <a:bodyPr/>
+          <a:lstStyle/>
+          <a:p>
+            <a:r>
+              <a:rPr lang="ko-KR" altLang="en-US" dirty="0" smtClean="0"/>
+              <a:t>개발도구</a:t>
+            </a:r>
+            <a:endParaRPr lang="ko-KR" altLang="en-US" dirty="0"/>
+          </a:p>
+        </p:txBody>
+      </p:sp>
+    </p:spTree>
+    <p:extLst>
+      <p:ext uri="{BB962C8B-B14F-4D97-AF65-F5344CB8AC3E}">
+        <p14:creationId xmlns:p14="http://schemas.microsoft.com/office/powerpoint/2010/main" val="111411628"/>
+      </p:ext>
+    </p:extLst>
+  </p:cSld>
+  <p:clrMapOvr>
+    <a:masterClrMapping/>
+  </p:clrMapOvr>
+  <p:timing>
+    <p:tnLst>
+      <p:par>
+        <p:cTn id="1" dur="indefinite" restart="never" nodeType="tmRoot"/>
+      </p:par>
+    </p:tnLst>
+  </p:timing>
+</p:sld>
+</file>
+
+<file path=ppt/slides/slide6.xml><?xml version="1.0" encoding="utf-8"?>
+<p:sld xmlns:a="http://schemas.openxmlformats.org/drawingml/2006/main" xmlns:r="http://schemas.openxmlformats.org/officeDocument/2006/relationships" xmlns:p="http://schemas.openxmlformats.org/presentationml/2006/main">
+  <p:cSld>
+    <p:spTree>
+      <p:nvGrpSpPr>
+        <p:cNvPr id="1" name=""/>
+        <p:cNvGrpSpPr/>
+        <p:nvPr/>
+      </p:nvGrpSpPr>
+      <p:grpSpPr>
+        <a:xfrm>
+          <a:off x="0" y="0"/>
+          <a:ext cx="0" cy="0"/>
+          <a:chOff x="0" y="0"/>
+          <a:chExt cx="0" cy="0"/>
+        </a:xfrm>
+      </p:grpSpPr>
+      <p:sp>
+        <p:nvSpPr>
+          <p:cNvPr id="2" name="제목 1"/>
+          <p:cNvSpPr>
+            <a:spLocks noGrp="1"/>
+          </p:cNvSpPr>
+          <p:nvPr>
+            <p:ph type="title"/>
+          </p:nvPr>
+        </p:nvSpPr>
+        <p:spPr/>
+        <p:txBody>
+          <a:bodyPr/>
+          <a:lstStyle/>
+          <a:p>
+            <a:r>
+              <a:rPr lang="ko-KR" altLang="en-US" dirty="0" err="1" smtClean="0"/>
+              <a:t>시연영상</a:t>
+            </a:r>
+            <a:endParaRPr lang="ko-KR" altLang="en-US" dirty="0"/>
+          </a:p>
+        </p:txBody>
+      </p:sp>
+    </p:spTree>
+    <p:extLst>
+      <p:ext uri="{BB962C8B-B14F-4D97-AF65-F5344CB8AC3E}">
+        <p14:creationId xmlns:p14="http://schemas.microsoft.com/office/powerpoint/2010/main" val="2355111984"/>
+      </p:ext>
+    </p:extLst>
+  </p:cSld>
+  <p:clrMapOvr>
+    <a:masterClrMapping/>
+  </p:clrMapOvr>
+  <p:timing>
+    <p:tnLst>
+      <p:par>
+        <p:cTn id="1" dur="indefinite" restart="never" nodeType="tmRoot"/>
+      </p:par>
+    </p:tnLst>
   </p:timing>
 </p:sld>
 </file>
@@ -9635,23 +9805,6 @@
 </file>
 
 <file path=customXml/item1.xml><?xml version="1.0" encoding="utf-8"?>
-<?mso-contentType ?>
-<FormTemplates xmlns="http://schemas.microsoft.com/sharepoint/v3/contenttype/forms">
-  <Display>DocumentLibraryForm</Display>
-  <Edit>DocumentLibraryForm</Edit>
-  <New>DocumentLibraryForm</New>
-</FormTemplates>
-</file>
-
-<file path=customXml/item2.xml><?xml version="1.0" encoding="utf-8"?>
-<p:properties xmlns:p="http://schemas.microsoft.com/office/2006/metadata/properties" xmlns:xsi="http://www.w3.org/2001/XMLSchema-instance" xmlns:pc="http://schemas.microsoft.com/office/infopath/2007/PartnerControls">
-  <documentManagement>
-    <MediaServiceKeyPoints xmlns="71af3243-3dd4-4a8d-8c0d-dd76da1f02a5" xsi:nil="true"/>
-  </documentManagement>
-</p:properties>
-</file>
-
-<file path=customXml/item3.xml><?xml version="1.0" encoding="utf-8"?>
 <ct:contentTypeSchema xmlns:ct="http://schemas.microsoft.com/office/2006/metadata/contentType" xmlns:ma="http://schemas.microsoft.com/office/2006/metadata/properties/metaAttributes" ct:_="" ma:_="" ma:contentTypeName="Document" ma:contentTypeID="0x01010079F111ED35F8CC479449609E8A0923A6" ma:contentTypeVersion="11" ma:contentTypeDescription="Create a new document." ma:contentTypeScope="" ma:versionID="9677210f24a1be23c92c90fd886aa0aa">
   <xsd:schema xmlns:xsd="http://www.w3.org/2001/XMLSchema" xmlns:xs="http://www.w3.org/2001/XMLSchema" xmlns:p="http://schemas.microsoft.com/office/2006/metadata/properties" xmlns:ns2="71af3243-3dd4-4a8d-8c0d-dd76da1f02a5" xmlns:ns3="16c05727-aa75-4e4a-9b5f-8a80a1165891" targetNamespace="http://schemas.microsoft.com/office/2006/metadata/properties" ma:root="true" ma:fieldsID="60e05723c5c1908df1a1a4ebf11d344e" ns2:_="" ns3:_="">
     <xsd:import namespace="71af3243-3dd4-4a8d-8c0d-dd76da1f02a5"/>
@@ -9862,25 +10015,24 @@
 </ct:contentTypeSchema>
 </file>
 
-<file path=customXml/itemProps1.xml><?xml version="1.0" encoding="utf-8"?>
-<ds:datastoreItem xmlns:ds="http://schemas.openxmlformats.org/officeDocument/2006/customXml" ds:itemID="{DFEF6A1A-C688-4464-AB07-AB68677D0963}">
-  <ds:schemaRefs>
-    <ds:schemaRef ds:uri="http://schemas.microsoft.com/sharepoint/v3/contenttype/forms"/>
-  </ds:schemaRefs>
-</ds:datastoreItem>
+<file path=customXml/item2.xml><?xml version="1.0" encoding="utf-8"?>
+<p:properties xmlns:p="http://schemas.microsoft.com/office/2006/metadata/properties" xmlns:xsi="http://www.w3.org/2001/XMLSchema-instance" xmlns:pc="http://schemas.microsoft.com/office/infopath/2007/PartnerControls">
+  <documentManagement>
+    <MediaServiceKeyPoints xmlns="71af3243-3dd4-4a8d-8c0d-dd76da1f02a5" xsi:nil="true"/>
+  </documentManagement>
+</p:properties>
 </file>
 
-<file path=customXml/itemProps2.xml><?xml version="1.0" encoding="utf-8"?>
-<ds:datastoreItem xmlns:ds="http://schemas.openxmlformats.org/officeDocument/2006/customXml" ds:itemID="{12C47A85-C19E-4256-8429-038D0FDE2DE5}">
-  <ds:schemaRefs>
-    <ds:schemaRef ds:uri="http://schemas.microsoft.com/office/2006/metadata/properties"/>
-    <ds:schemaRef ds:uri="http://schemas.microsoft.com/office/infopath/2007/PartnerControls"/>
-    <ds:schemaRef ds:uri="71af3243-3dd4-4a8d-8c0d-dd76da1f02a5"/>
-  </ds:schemaRefs>
-</ds:datastoreItem>
+<file path=customXml/item3.xml><?xml version="1.0" encoding="utf-8"?>
+<?mso-contentType ?>
+<FormTemplates xmlns="http://schemas.microsoft.com/sharepoint/v3/contenttype/forms">
+  <Display>DocumentLibraryForm</Display>
+  <Edit>DocumentLibraryForm</Edit>
+  <New>DocumentLibraryForm</New>
+</FormTemplates>
 </file>
 
-<file path=customXml/itemProps3.xml><?xml version="1.0" encoding="utf-8"?>
+<file path=customXml/itemProps1.xml><?xml version="1.0" encoding="utf-8"?>
 <ds:datastoreItem xmlns:ds="http://schemas.openxmlformats.org/officeDocument/2006/customXml" ds:itemID="{84178DDC-36E9-4EC8-A11F-9A81F92C0362}">
   <ds:schemaRefs>
     <ds:schemaRef ds:uri="http://schemas.microsoft.com/office/2006/metadata/contentType"/>
@@ -9897,4 +10049,22 @@
     <ds:schemaRef ds:uri="http://schemas.microsoft.com/internal/obd"/>
   </ds:schemaRefs>
 </ds:datastoreItem>
+</file>
+
+<file path=customXml/itemProps2.xml><?xml version="1.0" encoding="utf-8"?>
+<ds:datastoreItem xmlns:ds="http://schemas.openxmlformats.org/officeDocument/2006/customXml" ds:itemID="{12C47A85-C19E-4256-8429-038D0FDE2DE5}">
+  <ds:schemaRefs>
+    <ds:schemaRef ds:uri="http://schemas.microsoft.com/office/2006/metadata/properties"/>
+    <ds:schemaRef ds:uri="http://schemas.microsoft.com/office/infopath/2007/PartnerControls"/>
+    <ds:schemaRef ds:uri="71af3243-3dd4-4a8d-8c0d-dd76da1f02a5"/>
+  </ds:schemaRefs>
+</ds:datastoreItem>
+</file>
+
+<file path=customXml/itemProps3.xml><?xml version="1.0" encoding="utf-8"?>
+<ds:datastoreItem xmlns:ds="http://schemas.openxmlformats.org/officeDocument/2006/customXml" ds:itemID="{DFEF6A1A-C688-4464-AB07-AB68677D0963}">
+  <ds:schemaRefs>
+    <ds:schemaRef ds:uri="http://schemas.microsoft.com/sharepoint/v3/contenttype/forms"/>
+  </ds:schemaRefs>
+</ds:datastoreItem>
 </file>
--- a/기획/코드어드벤쳐 ppt.pptx
+++ b/기획/코드어드벤쳐 ppt.pptx
@@ -5,10 +5,10 @@
     <p:sldMasterId id="2147483858" r:id="rId4"/>
   </p:sldMasterIdLst>
   <p:notesMasterIdLst>
-    <p:notesMasterId r:id="rId11"/>
+    <p:notesMasterId r:id="rId12"/>
   </p:notesMasterIdLst>
   <p:handoutMasterIdLst>
-    <p:handoutMasterId r:id="rId12"/>
+    <p:handoutMasterId r:id="rId13"/>
   </p:handoutMasterIdLst>
   <p:sldIdLst>
     <p:sldId id="256" r:id="rId5"/>
@@ -16,7 +16,8 @@
     <p:sldId id="259" r:id="rId7"/>
     <p:sldId id="258" r:id="rId8"/>
     <p:sldId id="260" r:id="rId9"/>
-    <p:sldId id="261" r:id="rId10"/>
+    <p:sldId id="262" r:id="rId10"/>
+    <p:sldId id="261" r:id="rId11"/>
   </p:sldIdLst>
   <p:sldSz cx="12192000" cy="6858000"/>
   <p:notesSz cx="6858000" cy="9144000"/>
@@ -248,7 +249,7 @@
                 <a:latin typeface="+mj-ea"/>
                 <a:ea typeface="+mj-ea"/>
               </a:rPr>
-              <a:t>2020-11-15</a:t>
+              <a:t>2020-11-16</a:t>
             </a:fld>
             <a:endParaRPr lang="ko-KR" altLang="en-US" dirty="0">
               <a:latin typeface="+mj-ea"/>
@@ -446,7 +447,7 @@
             <a:fld id="{1869D952-F63B-42C7-94C1-29B042E36B80}" type="datetime1">
               <a:rPr lang="ko-KR" altLang="en-US" smtClean="0"/>
               <a:pPr/>
-              <a:t>2020-11-15</a:t>
+              <a:t>2020-11-16</a:t>
             </a:fld>
             <a:endParaRPr lang="ko-KR" altLang="en-US" dirty="0"/>
           </a:p>
@@ -796,80 +797,80 @@
           <a:lstStyle/>
           <a:p>
             <a:r>
-              <a:rPr lang="ko-KR" altLang="en-US" dirty="0" smtClean="0"/>
+              <a:rPr lang="ko-KR" altLang="en-US" dirty="0"/>
               <a:t>게임</a:t>
             </a:r>
             <a:r>
-              <a:rPr lang="en-US" altLang="ko-KR" dirty="0" smtClean="0"/>
+              <a:rPr lang="en-US" altLang="ko-KR" dirty="0"/>
               <a:t>. </a:t>
             </a:r>
             <a:r>
-              <a:rPr lang="ko-KR" altLang="en-US" dirty="0" smtClean="0"/>
+              <a:rPr lang="ko-KR" altLang="en-US" dirty="0"/>
               <a:t>저희</a:t>
             </a:r>
             <a:r>
-              <a:rPr lang="ko-KR" altLang="en-US" baseline="0" dirty="0" smtClean="0"/>
+              <a:rPr lang="ko-KR" altLang="en-US" baseline="0" dirty="0"/>
               <a:t> 팀은 세상에 도움이 되는 소프트웨어를 한번 만들어 보고 싶었습니다</a:t>
             </a:r>
             <a:r>
-              <a:rPr lang="en-US" altLang="ko-KR" baseline="0" dirty="0" smtClean="0"/>
+              <a:rPr lang="en-US" altLang="ko-KR" baseline="0" dirty="0"/>
               <a:t>. </a:t>
             </a:r>
             <a:r>
-              <a:rPr lang="ko-KR" altLang="en-US" baseline="0" dirty="0" smtClean="0"/>
+              <a:rPr lang="ko-KR" altLang="en-US" baseline="0" dirty="0"/>
               <a:t>그리하여 나온 답은 바로 코딩 이였습니다</a:t>
             </a:r>
             <a:r>
-              <a:rPr lang="en-US" altLang="ko-KR" baseline="0" dirty="0" smtClean="0"/>
+              <a:rPr lang="en-US" altLang="ko-KR" baseline="0" dirty="0"/>
               <a:t>. 4</a:t>
             </a:r>
             <a:r>
-              <a:rPr lang="ko-KR" altLang="en-US" baseline="0" dirty="0" smtClean="0"/>
+              <a:rPr lang="ko-KR" altLang="en-US" baseline="0" dirty="0"/>
               <a:t>차 산업 혁명을 바라보고 있는 지금</a:t>
             </a:r>
             <a:r>
-              <a:rPr lang="en-US" altLang="ko-KR" baseline="0" dirty="0" smtClean="0"/>
+              <a:rPr lang="en-US" altLang="ko-KR" baseline="0" dirty="0"/>
               <a:t> </a:t>
             </a:r>
             <a:r>
-              <a:rPr lang="ko-KR" altLang="en-US" baseline="0" dirty="0" smtClean="0"/>
+              <a:rPr lang="ko-KR" altLang="en-US" baseline="0" dirty="0"/>
               <a:t>코딩은 사회적으로 필요한 기술이며 </a:t>
             </a:r>
-            <a:endParaRPr lang="en-US" altLang="ko-KR" baseline="0" dirty="0" smtClean="0"/>
-          </a:p>
-          <a:p>
-            <a:r>
-              <a:rPr lang="ko-KR" altLang="en-US" baseline="0" dirty="0" smtClean="0"/>
+            <a:endParaRPr lang="en-US" altLang="ko-KR" baseline="0" dirty="0"/>
+          </a:p>
+          <a:p>
+            <a:r>
+              <a:rPr lang="ko-KR" altLang="en-US" baseline="0" dirty="0"/>
               <a:t>또 인재가 필요 합니다</a:t>
             </a:r>
             <a:r>
-              <a:rPr lang="en-US" altLang="ko-KR" baseline="0" dirty="0" smtClean="0"/>
+              <a:rPr lang="en-US" altLang="ko-KR" baseline="0" dirty="0"/>
               <a:t>.</a:t>
             </a:r>
           </a:p>
           <a:p>
             <a:r>
-              <a:rPr lang="ko-KR" altLang="en-US" baseline="0" dirty="0" smtClean="0"/>
+              <a:rPr lang="ko-KR" altLang="en-US" baseline="0" dirty="0"/>
               <a:t>하지만 아직까지 코딩이란 진로를 결정하는 중 고등학생들에게 있어선 접근성이 그렇게 높지 않습니다</a:t>
             </a:r>
             <a:r>
-              <a:rPr lang="en-US" altLang="ko-KR" baseline="0" dirty="0" smtClean="0"/>
+              <a:rPr lang="en-US" altLang="ko-KR" baseline="0" dirty="0"/>
               <a:t>. </a:t>
             </a:r>
             <a:r>
-              <a:rPr lang="ko-KR" altLang="en-US" baseline="0" dirty="0" smtClean="0"/>
+              <a:rPr lang="ko-KR" altLang="en-US" baseline="0" dirty="0"/>
               <a:t>그리하여 중</a:t>
             </a:r>
             <a:r>
-              <a:rPr lang="en-US" altLang="ko-KR" baseline="0" dirty="0" smtClean="0"/>
+              <a:rPr lang="en-US" altLang="ko-KR" baseline="0" dirty="0"/>
               <a:t>, </a:t>
             </a:r>
             <a:r>
-              <a:rPr lang="ko-KR" altLang="en-US" baseline="0" dirty="0" smtClean="0"/>
+              <a:rPr lang="ko-KR" altLang="en-US" baseline="0" dirty="0"/>
               <a:t>고등학생들에게 접근성이 높은 게임을 만들기로 생각 하였습니다</a:t>
             </a:r>
             <a:r>
-              <a:rPr lang="en-US" altLang="ko-KR" baseline="0" dirty="0" smtClean="0"/>
+              <a:rPr lang="en-US" altLang="ko-KR" baseline="0" dirty="0"/>
               <a:t>.</a:t>
             </a:r>
           </a:p>
@@ -957,34 +958,76 @@
           <a:lstStyle/>
           <a:p>
             <a:r>
-              <a:rPr lang="ko-KR" altLang="en-US" dirty="0" smtClean="0"/>
+              <a:rPr lang="ko-KR" altLang="en-US" dirty="0"/>
               <a:t>저희는 어떻게 하면 코딩을 쉽고</a:t>
             </a:r>
             <a:r>
-              <a:rPr lang="en-US" altLang="ko-KR" dirty="0" smtClean="0"/>
+              <a:rPr lang="en-US" altLang="ko-KR" dirty="0"/>
               <a:t>, </a:t>
             </a:r>
             <a:r>
-              <a:rPr lang="ko-KR" altLang="en-US" dirty="0" err="1" smtClean="0"/>
+              <a:rPr lang="ko-KR" altLang="en-US" dirty="0" err="1"/>
               <a:t>재밌고</a:t>
             </a:r>
             <a:r>
-              <a:rPr lang="en-US" altLang="ko-KR" dirty="0" smtClean="0"/>
+              <a:rPr lang="en-US" altLang="ko-KR" dirty="0"/>
               <a:t>, </a:t>
             </a:r>
             <a:r>
-              <a:rPr lang="ko-KR" altLang="en-US" dirty="0" smtClean="0"/>
+              <a:rPr lang="ko-KR" altLang="en-US" dirty="0"/>
               <a:t>그리고 접근성이 높도록 게임을 만들 수 있을 지 고민</a:t>
             </a:r>
             <a:r>
-              <a:rPr lang="ko-KR" altLang="en-US" baseline="0" dirty="0" smtClean="0"/>
+              <a:rPr lang="ko-KR" altLang="en-US" baseline="0" dirty="0"/>
               <a:t> 했습니다</a:t>
             </a:r>
             <a:r>
-              <a:rPr lang="en-US" altLang="ko-KR" baseline="0" dirty="0" smtClean="0"/>
+              <a:rPr lang="en-US" altLang="ko-KR" baseline="0" dirty="0"/>
               <a:t>.</a:t>
             </a:r>
-            <a:endParaRPr lang="ko-KR" altLang="en-US" dirty="0"/>
+          </a:p>
+          <a:p>
+            <a:r>
+              <a:rPr lang="ko-KR" altLang="en-US" baseline="0" dirty="0"/>
+              <a:t>블록을 끼워 퍼즐을 맞추듯이 쉽게 코딩을 배울 수 있게 하였고</a:t>
+            </a:r>
+            <a:endParaRPr lang="en-US" altLang="ko-KR" baseline="0" dirty="0"/>
+          </a:p>
+          <a:p>
+            <a:r>
+              <a:rPr lang="ko-KR" altLang="en-US" baseline="0" dirty="0"/>
+              <a:t>다양한 </a:t>
+            </a:r>
+            <a:r>
+              <a:rPr lang="ko-KR" altLang="en-US" baseline="0" dirty="0" err="1"/>
+              <a:t>맵과</a:t>
+            </a:r>
+            <a:r>
+              <a:rPr lang="ko-KR" altLang="en-US" baseline="0" dirty="0"/>
+              <a:t> 귀여운 캐릭터들로 재미있게 배울 수 있습니다</a:t>
+            </a:r>
+            <a:r>
+              <a:rPr lang="en-US" altLang="ko-KR" baseline="0" dirty="0"/>
+              <a:t>.</a:t>
+            </a:r>
+          </a:p>
+          <a:p>
+            <a:r>
+              <a:rPr lang="ko-KR" altLang="en-US" baseline="0" dirty="0"/>
+              <a:t>그리고 다양한 </a:t>
+            </a:r>
+            <a:r>
+              <a:rPr lang="ko-KR" altLang="en-US" baseline="0" dirty="0" err="1"/>
+              <a:t>플렛폼을</a:t>
+            </a:r>
+            <a:r>
+              <a:rPr lang="ko-KR" altLang="en-US" baseline="0" dirty="0"/>
+              <a:t> 지원해 높은 접근성을 확보 하였습니다</a:t>
+            </a:r>
+            <a:r>
+              <a:rPr lang="en-US" altLang="ko-KR" baseline="0" dirty="0"/>
+              <a:t>.</a:t>
+            </a:r>
           </a:p>
         </p:txBody>
       </p:sp>
@@ -1154,7 +1197,7 @@
           <a:p>
             <a:fld id="{C764DE79-268F-4C1A-8933-263129D2AF90}" type="datetimeFigureOut">
               <a:rPr lang="en-US" dirty="0"/>
-              <a:t>11/15/2020</a:t>
+              <a:t>11/16/2020</a:t>
             </a:fld>
             <a:endParaRPr lang="en-US" dirty="0"/>
           </a:p>
@@ -1322,7 +1365,7 @@
           <a:p>
             <a:fld id="{C764DE79-268F-4C1A-8933-263129D2AF90}" type="datetimeFigureOut">
               <a:rPr lang="en-US" dirty="0"/>
-              <a:t>11/15/2020</a:t>
+              <a:t>11/16/2020</a:t>
             </a:fld>
             <a:endParaRPr lang="en-US" dirty="0"/>
           </a:p>
@@ -1500,7 +1543,7 @@
           <a:p>
             <a:fld id="{C764DE79-268F-4C1A-8933-263129D2AF90}" type="datetimeFigureOut">
               <a:rPr lang="en-US" dirty="0"/>
-              <a:t>11/15/2020</a:t>
+              <a:t>11/16/2020</a:t>
             </a:fld>
             <a:endParaRPr lang="en-US" dirty="0"/>
           </a:p>
@@ -1668,7 +1711,7 @@
           <a:p>
             <a:fld id="{C764DE79-268F-4C1A-8933-263129D2AF90}" type="datetimeFigureOut">
               <a:rPr lang="en-US" dirty="0"/>
-              <a:t>11/15/2020</a:t>
+              <a:t>11/16/2020</a:t>
             </a:fld>
             <a:endParaRPr lang="en-US" dirty="0"/>
           </a:p>
@@ -1913,7 +1956,7 @@
           <a:p>
             <a:fld id="{C764DE79-268F-4C1A-8933-263129D2AF90}" type="datetimeFigureOut">
               <a:rPr lang="en-US" dirty="0"/>
-              <a:t>11/15/2020</a:t>
+              <a:t>11/16/2020</a:t>
             </a:fld>
             <a:endParaRPr lang="en-US" dirty="0"/>
           </a:p>
@@ -2142,7 +2185,7 @@
           <a:p>
             <a:fld id="{C764DE79-268F-4C1A-8933-263129D2AF90}" type="datetimeFigureOut">
               <a:rPr lang="en-US" dirty="0"/>
-              <a:t>11/15/2020</a:t>
+              <a:t>11/16/2020</a:t>
             </a:fld>
             <a:endParaRPr lang="en-US" dirty="0"/>
           </a:p>
@@ -2506,7 +2549,7 @@
           <a:p>
             <a:fld id="{C764DE79-268F-4C1A-8933-263129D2AF90}" type="datetimeFigureOut">
               <a:rPr lang="en-US" dirty="0"/>
-              <a:t>11/15/2020</a:t>
+              <a:t>11/16/2020</a:t>
             </a:fld>
             <a:endParaRPr lang="en-US" dirty="0"/>
           </a:p>
@@ -2623,7 +2666,7 @@
           <a:p>
             <a:fld id="{C764DE79-268F-4C1A-8933-263129D2AF90}" type="datetimeFigureOut">
               <a:rPr lang="en-US" dirty="0"/>
-              <a:t>11/15/2020</a:t>
+              <a:t>11/16/2020</a:t>
             </a:fld>
             <a:endParaRPr lang="en-US" dirty="0"/>
           </a:p>
@@ -2718,7 +2761,7 @@
           <a:p>
             <a:fld id="{C764DE79-268F-4C1A-8933-263129D2AF90}" type="datetimeFigureOut">
               <a:rPr lang="en-US" dirty="0"/>
-              <a:t>11/15/2020</a:t>
+              <a:t>11/16/2020</a:t>
             </a:fld>
             <a:endParaRPr lang="en-US" dirty="0"/>
           </a:p>
@@ -2993,7 +3036,7 @@
           <a:p>
             <a:fld id="{C764DE79-268F-4C1A-8933-263129D2AF90}" type="datetimeFigureOut">
               <a:rPr lang="en-US" dirty="0"/>
-              <a:t>11/15/2020</a:t>
+              <a:t>11/16/2020</a:t>
             </a:fld>
             <a:endParaRPr lang="en-US" dirty="0"/>
           </a:p>
@@ -3245,7 +3288,7 @@
           <a:p>
             <a:fld id="{C764DE79-268F-4C1A-8933-263129D2AF90}" type="datetimeFigureOut">
               <a:rPr lang="en-US" dirty="0"/>
-              <a:t>11/15/2020</a:t>
+              <a:t>11/16/2020</a:t>
             </a:fld>
             <a:endParaRPr lang="en-US" dirty="0"/>
           </a:p>
@@ -3456,7 +3499,7 @@
           <a:p>
             <a:fld id="{C764DE79-268F-4C1A-8933-263129D2AF90}" type="datetimeFigureOut">
               <a:rPr lang="en-US" dirty="0"/>
-              <a:t>11/15/2020</a:t>
+              <a:t>11/16/2020</a:t>
             </a:fld>
             <a:endParaRPr lang="en-US" dirty="0"/>
           </a:p>
@@ -3877,7 +3920,7 @@
                 <a16:creationId xmlns:a16="http://schemas.microsoft.com/office/drawing/2014/main" id="{0B761509-3B9A-49A6-A84B-C3D86811697D}"/>
               </a:ext>
               <a:ext uri="{C183D7F6-B498-43B3-948B-1728B52AA6E4}">
-                <adec:decorative xmlns:adec="http://schemas.microsoft.com/office/drawing/2017/decorative" xmlns="" val="1"/>
+                <adec:decorative xmlns:adec="http://schemas.microsoft.com/office/drawing/2017/decorative" val="1"/>
               </a:ext>
             </a:extLst>
           </p:cNvPr>
@@ -3940,7 +3983,7 @@
                 <a16:creationId xmlns:a16="http://schemas.microsoft.com/office/drawing/2014/main" id="{91DE43FD-EB47-414A-B0AB-169B0FFFA527}"/>
               </a:ext>
               <a:ext uri="{C183D7F6-B498-43B3-948B-1728B52AA6E4}">
-                <adec:decorative xmlns:adec="http://schemas.microsoft.com/office/drawing/2017/decorative" xmlns="" val="1"/>
+                <adec:decorative xmlns:adec="http://schemas.microsoft.com/office/drawing/2017/decorative" val="1"/>
               </a:ext>
             </a:extLst>
           </p:cNvPr>
@@ -4145,7 +4188,7 @@
                 <a16:creationId xmlns:a16="http://schemas.microsoft.com/office/drawing/2014/main" id="{58495BCC-CE77-4CC2-952E-846F41119FD5}"/>
               </a:ext>
               <a:ext uri="{C183D7F6-B498-43B3-948B-1728B52AA6E4}">
-                <adec:decorative xmlns:adec="http://schemas.microsoft.com/office/drawing/2017/decorative" xmlns="" val="1"/>
+                <adec:decorative xmlns:adec="http://schemas.microsoft.com/office/drawing/2017/decorative" val="1"/>
               </a:ext>
             </a:extLst>
           </p:cNvPr>
@@ -4176,7 +4219,7 @@
                   <a16:creationId xmlns:a16="http://schemas.microsoft.com/office/drawing/2014/main" id="{1B42538B-E30F-4967-A6C1-8EBA775F4D60}"/>
                 </a:ext>
                 <a:ext uri="{C183D7F6-B498-43B3-948B-1728B52AA6E4}">
-                  <adec:decorative xmlns:adec="http://schemas.microsoft.com/office/drawing/2017/decorative" xmlns="" val="1"/>
+                  <adec:decorative xmlns:adec="http://schemas.microsoft.com/office/drawing/2017/decorative" val="1"/>
                 </a:ext>
               </a:extLst>
             </p:cNvPr>
@@ -4363,7 +4406,7 @@
                   <a16:creationId xmlns:a16="http://schemas.microsoft.com/office/drawing/2014/main" id="{9A6BD9AC-4DE7-4B20-8547-4E3B375C21F7}"/>
                 </a:ext>
                 <a:ext uri="{C183D7F6-B498-43B3-948B-1728B52AA6E4}">
-                  <adec:decorative xmlns:adec="http://schemas.microsoft.com/office/drawing/2017/decorative" xmlns="" val="1"/>
+                  <adec:decorative xmlns:adec="http://schemas.microsoft.com/office/drawing/2017/decorative" val="1"/>
                 </a:ext>
               </a:extLst>
             </p:cNvPr>
@@ -4929,7 +4972,7 @@
                 <a16:creationId xmlns:a16="http://schemas.microsoft.com/office/drawing/2014/main" id="{0DBF1ABE-8590-450D-BB49-BDDCCF3EEA9E}"/>
               </a:ext>
               <a:ext uri="{C183D7F6-B498-43B3-948B-1728B52AA6E4}">
-                <adec:decorative xmlns:adec="http://schemas.microsoft.com/office/drawing/2017/decorative" xmlns="" val="1"/>
+                <adec:decorative xmlns:adec="http://schemas.microsoft.com/office/drawing/2017/decorative" val="1"/>
               </a:ext>
             </a:extLst>
           </p:cNvPr>
@@ -5000,7 +5043,7 @@
                 <a16:creationId xmlns:a16="http://schemas.microsoft.com/office/drawing/2014/main" id="{39B130F1-CBA7-4431-B821-F88949C0E4DF}"/>
               </a:ext>
               <a:ext uri="{C183D7F6-B498-43B3-948B-1728B52AA6E4}">
-                <adec:decorative xmlns:adec="http://schemas.microsoft.com/office/drawing/2017/decorative" xmlns="" val="1"/>
+                <adec:decorative xmlns:adec="http://schemas.microsoft.com/office/drawing/2017/decorative" val="1"/>
               </a:ext>
             </a:extLst>
           </p:cNvPr>
@@ -5265,7 +5308,7 @@
                 <a16:creationId xmlns:a16="http://schemas.microsoft.com/office/drawing/2014/main" id="{218801D6-A286-4666-A61D-F7177BB5975C}"/>
               </a:ext>
               <a:ext uri="{C183D7F6-B498-43B3-948B-1728B52AA6E4}">
-                <adec:decorative xmlns:adec="http://schemas.microsoft.com/office/drawing/2017/decorative" xmlns="" val="1"/>
+                <adec:decorative xmlns:adec="http://schemas.microsoft.com/office/drawing/2017/decorative" val="1"/>
               </a:ext>
             </a:extLst>
           </p:cNvPr>
@@ -5560,7 +5603,7 @@
                 <a16:creationId xmlns:a16="http://schemas.microsoft.com/office/drawing/2014/main" id="{08519B2C-6AAA-4729-A64B-8A55A068286E}"/>
               </a:ext>
               <a:ext uri="{C183D7F6-B498-43B3-948B-1728B52AA6E4}">
-                <adec:decorative xmlns:adec="http://schemas.microsoft.com/office/drawing/2017/decorative" xmlns="" val="1"/>
+                <adec:decorative xmlns:adec="http://schemas.microsoft.com/office/drawing/2017/decorative" val="1"/>
               </a:ext>
             </a:extLst>
           </p:cNvPr>
@@ -5786,7 +5829,7 @@
                 <a16:creationId xmlns:a16="http://schemas.microsoft.com/office/drawing/2014/main" id="{5FE92761-D4A8-4823-A18B-685088E1049A}"/>
               </a:ext>
               <a:ext uri="{C183D7F6-B498-43B3-948B-1728B52AA6E4}">
-                <adec:decorative xmlns:adec="http://schemas.microsoft.com/office/drawing/2017/decorative" xmlns="" val="1"/>
+                <adec:decorative xmlns:adec="http://schemas.microsoft.com/office/drawing/2017/decorative" val="1"/>
               </a:ext>
             </a:extLst>
           </p:cNvPr>
@@ -6042,7 +6085,7 @@
                 <a16:creationId xmlns:a16="http://schemas.microsoft.com/office/drawing/2014/main" id="{0666ED1E-25EB-48D9-8568-7F19B6BECECE}"/>
               </a:ext>
               <a:ext uri="{C183D7F6-B498-43B3-948B-1728B52AA6E4}">
-                <adec:decorative xmlns:adec="http://schemas.microsoft.com/office/drawing/2017/decorative" xmlns="" val="1"/>
+                <adec:decorative xmlns:adec="http://schemas.microsoft.com/office/drawing/2017/decorative" val="1"/>
               </a:ext>
             </a:extLst>
           </p:cNvPr>
@@ -6307,7 +6350,7 @@
                 <a16:creationId xmlns:a16="http://schemas.microsoft.com/office/drawing/2014/main" id="{AFFD3B06-AF06-421C-A290-681BC2739369}"/>
               </a:ext>
               <a:ext uri="{C183D7F6-B498-43B3-948B-1728B52AA6E4}">
-                <adec:decorative xmlns:adec="http://schemas.microsoft.com/office/drawing/2017/decorative" xmlns="" val="1"/>
+                <adec:decorative xmlns:adec="http://schemas.microsoft.com/office/drawing/2017/decorative" val="1"/>
               </a:ext>
             </a:extLst>
           </p:cNvPr>
@@ -6602,7 +6645,7 @@
                 <a16:creationId xmlns:a16="http://schemas.microsoft.com/office/drawing/2014/main" id="{639E5FDC-2624-4BF8-82F2-90664FC65FE7}"/>
               </a:ext>
               <a:ext uri="{C183D7F6-B498-43B3-948B-1728B52AA6E4}">
-                <adec:decorative xmlns:adec="http://schemas.microsoft.com/office/drawing/2017/decorative" xmlns="" val="1"/>
+                <adec:decorative xmlns:adec="http://schemas.microsoft.com/office/drawing/2017/decorative" val="1"/>
               </a:ext>
             </a:extLst>
           </p:cNvPr>
@@ -6828,7 +6871,7 @@
                 <a16:creationId xmlns:a16="http://schemas.microsoft.com/office/drawing/2014/main" id="{F4E864A8-F363-45E0-856E-D368F894426C}"/>
               </a:ext>
               <a:ext uri="{C183D7F6-B498-43B3-948B-1728B52AA6E4}">
-                <adec:decorative xmlns:adec="http://schemas.microsoft.com/office/drawing/2017/decorative" xmlns="" val="1"/>
+                <adec:decorative xmlns:adec="http://schemas.microsoft.com/office/drawing/2017/decorative" val="1"/>
               </a:ext>
             </a:extLst>
           </p:cNvPr>
@@ -7453,20 +7496,20 @@
           <a:lstStyle/>
           <a:p>
             <a:r>
-              <a:rPr lang="en-US" altLang="ko-KR" dirty="0" smtClean="0">
+              <a:rPr lang="en-US" altLang="ko-KR" dirty="0">
                 <a:latin typeface="배달의민족 주아" panose="02020603020101020101" pitchFamily="18" charset="-127"/>
                 <a:ea typeface="배달의민족 주아" panose="02020603020101020101" pitchFamily="18" charset="-127"/>
               </a:rPr>
               <a:t>2</a:t>
             </a:r>
             <a:r>
-              <a:rPr lang="ko-KR" altLang="en-US" dirty="0" smtClean="0">
+              <a:rPr lang="ko-KR" altLang="en-US" dirty="0">
                 <a:latin typeface="배달의민족 주아" panose="02020603020101020101" pitchFamily="18" charset="-127"/>
                 <a:ea typeface="배달의민족 주아" panose="02020603020101020101" pitchFamily="18" charset="-127"/>
               </a:rPr>
               <a:t>학년 이성훈</a:t>
             </a:r>
-            <a:endParaRPr lang="en-US" altLang="ko-KR" dirty="0" smtClean="0">
+            <a:endParaRPr lang="en-US" altLang="ko-KR" dirty="0">
               <a:latin typeface="배달의민족 주아" panose="02020603020101020101" pitchFamily="18" charset="-127"/>
               <a:ea typeface="배달의민족 주아" panose="02020603020101020101" pitchFamily="18" charset="-127"/>
             </a:endParaRPr>
@@ -7496,27 +7539,27 @@
           <a:lstStyle/>
           <a:p>
             <a:r>
-              <a:rPr lang="en-US" altLang="ko-KR" dirty="0" smtClean="0">
+              <a:rPr lang="en-US" altLang="ko-KR" dirty="0">
                 <a:latin typeface="배달의민족 주아" panose="02020603020101020101" pitchFamily="18" charset="-127"/>
                 <a:ea typeface="배달의민족 주아" panose="02020603020101020101" pitchFamily="18" charset="-127"/>
               </a:rPr>
               <a:t>2</a:t>
             </a:r>
             <a:r>
-              <a:rPr lang="ko-KR" altLang="en-US" dirty="0" smtClean="0">
+              <a:rPr lang="ko-KR" altLang="en-US" dirty="0">
                 <a:latin typeface="배달의민족 주아" panose="02020603020101020101" pitchFamily="18" charset="-127"/>
                 <a:ea typeface="배달의민족 주아" panose="02020603020101020101" pitchFamily="18" charset="-127"/>
               </a:rPr>
               <a:t>학년 </a:t>
             </a:r>
             <a:r>
-              <a:rPr lang="ko-KR" altLang="en-US" dirty="0" err="1" smtClean="0">
+              <a:rPr lang="ko-KR" altLang="en-US" dirty="0" err="1">
                 <a:latin typeface="배달의민족 주아" panose="02020603020101020101" pitchFamily="18" charset="-127"/>
                 <a:ea typeface="배달의민족 주아" panose="02020603020101020101" pitchFamily="18" charset="-127"/>
               </a:rPr>
               <a:t>이찬민</a:t>
             </a:r>
-            <a:endParaRPr lang="en-US" altLang="ko-KR" dirty="0" smtClean="0">
+            <a:endParaRPr lang="en-US" altLang="ko-KR" dirty="0">
               <a:latin typeface="배달의민족 주아" panose="02020603020101020101" pitchFamily="18" charset="-127"/>
               <a:ea typeface="배달의민족 주아" panose="02020603020101020101" pitchFamily="18" charset="-127"/>
             </a:endParaRPr>
@@ -7546,20 +7589,20 @@
           <a:lstStyle/>
           <a:p>
             <a:r>
-              <a:rPr lang="en-US" altLang="ko-KR" dirty="0" smtClean="0">
+              <a:rPr lang="en-US" altLang="ko-KR" dirty="0">
                 <a:latin typeface="배달의민족 주아" panose="02020603020101020101" pitchFamily="18" charset="-127"/>
                 <a:ea typeface="배달의민족 주아" panose="02020603020101020101" pitchFamily="18" charset="-127"/>
               </a:rPr>
               <a:t>2</a:t>
             </a:r>
             <a:r>
-              <a:rPr lang="ko-KR" altLang="en-US" dirty="0" smtClean="0">
+              <a:rPr lang="ko-KR" altLang="en-US" dirty="0">
                 <a:latin typeface="배달의민족 주아" panose="02020603020101020101" pitchFamily="18" charset="-127"/>
                 <a:ea typeface="배달의민족 주아" panose="02020603020101020101" pitchFamily="18" charset="-127"/>
               </a:rPr>
               <a:t>학년 남태희</a:t>
             </a:r>
-            <a:endParaRPr lang="en-US" altLang="ko-KR" dirty="0" smtClean="0">
+            <a:endParaRPr lang="en-US" altLang="ko-KR" dirty="0">
               <a:latin typeface="배달의민족 주아" panose="02020603020101020101" pitchFamily="18" charset="-127"/>
               <a:ea typeface="배달의민족 주아" panose="02020603020101020101" pitchFamily="18" charset="-127"/>
             </a:endParaRPr>
@@ -7589,27 +7632,27 @@
           <a:lstStyle/>
           <a:p>
             <a:r>
-              <a:rPr lang="en-US" altLang="ko-KR" dirty="0" smtClean="0">
+              <a:rPr lang="en-US" altLang="ko-KR" dirty="0">
                 <a:latin typeface="배달의민족 주아" panose="02020603020101020101" pitchFamily="18" charset="-127"/>
                 <a:ea typeface="배달의민족 주아" panose="02020603020101020101" pitchFamily="18" charset="-127"/>
               </a:rPr>
               <a:t>2</a:t>
             </a:r>
             <a:r>
-              <a:rPr lang="ko-KR" altLang="en-US" dirty="0" smtClean="0">
+              <a:rPr lang="ko-KR" altLang="en-US" dirty="0">
                 <a:latin typeface="배달의민족 주아" panose="02020603020101020101" pitchFamily="18" charset="-127"/>
                 <a:ea typeface="배달의민족 주아" panose="02020603020101020101" pitchFamily="18" charset="-127"/>
               </a:rPr>
               <a:t>학년 </a:t>
             </a:r>
             <a:r>
-              <a:rPr lang="ko-KR" altLang="en-US" dirty="0" err="1" smtClean="0">
+              <a:rPr lang="ko-KR" altLang="en-US" dirty="0" err="1">
                 <a:latin typeface="배달의민족 주아" panose="02020603020101020101" pitchFamily="18" charset="-127"/>
                 <a:ea typeface="배달의민족 주아" panose="02020603020101020101" pitchFamily="18" charset="-127"/>
               </a:rPr>
               <a:t>최한수</a:t>
             </a:r>
-            <a:endParaRPr lang="en-US" altLang="ko-KR" dirty="0" smtClean="0">
+            <a:endParaRPr lang="en-US" altLang="ko-KR" dirty="0">
               <a:latin typeface="배달의민족 주아" panose="02020603020101020101" pitchFamily="18" charset="-127"/>
               <a:ea typeface="배달의민족 주아" panose="02020603020101020101" pitchFamily="18" charset="-127"/>
             </a:endParaRPr>
@@ -7638,7 +7681,7 @@
           </a:bodyPr>
           <a:lstStyle/>
           <a:p>
-            <a:endParaRPr lang="en-US" altLang="ko-KR" dirty="0" smtClean="0">
+            <a:endParaRPr lang="en-US" altLang="ko-KR" dirty="0">
               <a:latin typeface="배달의민족 주아" panose="02020603020101020101" pitchFamily="18" charset="-127"/>
               <a:ea typeface="배달의민족 주아" panose="02020603020101020101" pitchFamily="18" charset="-127"/>
             </a:endParaRPr>
@@ -7668,27 +7711,27 @@
           <a:lstStyle/>
           <a:p>
             <a:r>
-              <a:rPr lang="ko-KR" altLang="en-US" sz="1300" dirty="0" smtClean="0">
+              <a:rPr lang="ko-KR" altLang="en-US" sz="1300" dirty="0">
                 <a:latin typeface="배달의민족 주아" panose="02020603020101020101" pitchFamily="18" charset="-127"/>
                 <a:ea typeface="배달의민족 주아" panose="02020603020101020101" pitchFamily="18" charset="-127"/>
               </a:rPr>
               <a:t>메인 개발</a:t>
             </a:r>
             <a:r>
-              <a:rPr lang="en-US" altLang="ko-KR" sz="1300" dirty="0" smtClean="0">
+              <a:rPr lang="en-US" altLang="ko-KR" sz="1300" dirty="0">
                 <a:latin typeface="배달의민족 주아" panose="02020603020101020101" pitchFamily="18" charset="-127"/>
                 <a:ea typeface="배달의민족 주아" panose="02020603020101020101" pitchFamily="18" charset="-127"/>
               </a:rPr>
               <a:t>, </a:t>
             </a:r>
             <a:r>
-              <a:rPr lang="ko-KR" altLang="en-US" sz="1300" dirty="0" smtClean="0">
+              <a:rPr lang="ko-KR" altLang="en-US" sz="1300" dirty="0">
                 <a:latin typeface="배달의민족 주아" panose="02020603020101020101" pitchFamily="18" charset="-127"/>
                 <a:ea typeface="배달의민족 주아" panose="02020603020101020101" pitchFamily="18" charset="-127"/>
               </a:rPr>
               <a:t>팀장</a:t>
             </a:r>
-            <a:endParaRPr lang="en-US" altLang="ko-KR" sz="1300" dirty="0" smtClean="0">
+            <a:endParaRPr lang="en-US" altLang="ko-KR" sz="1300" dirty="0">
               <a:latin typeface="배달의민족 주아" panose="02020603020101020101" pitchFamily="18" charset="-127"/>
               <a:ea typeface="배달의민족 주아" panose="02020603020101020101" pitchFamily="18" charset="-127"/>
             </a:endParaRPr>
@@ -7718,27 +7761,27 @@
           <a:lstStyle/>
           <a:p>
             <a:r>
-              <a:rPr lang="ko-KR" altLang="en-US" sz="1300" dirty="0" smtClean="0">
+              <a:rPr lang="ko-KR" altLang="en-US" sz="1300" dirty="0">
                 <a:latin typeface="배달의민족 주아" panose="02020603020101020101" pitchFamily="18" charset="-127"/>
                 <a:ea typeface="배달의민족 주아" panose="02020603020101020101" pitchFamily="18" charset="-127"/>
               </a:rPr>
               <a:t>기획</a:t>
             </a:r>
             <a:r>
-              <a:rPr lang="en-US" altLang="ko-KR" sz="1300" dirty="0" smtClean="0">
+              <a:rPr lang="en-US" altLang="ko-KR" sz="1300" dirty="0">
                 <a:latin typeface="배달의민족 주아" panose="02020603020101020101" pitchFamily="18" charset="-127"/>
                 <a:ea typeface="배달의민족 주아" panose="02020603020101020101" pitchFamily="18" charset="-127"/>
               </a:rPr>
               <a:t>, </a:t>
             </a:r>
             <a:r>
-              <a:rPr lang="ko-KR" altLang="en-US" sz="1300" dirty="0" smtClean="0">
+              <a:rPr lang="ko-KR" altLang="en-US" sz="1300" dirty="0">
                 <a:latin typeface="배달의민족 주아" panose="02020603020101020101" pitchFamily="18" charset="-127"/>
                 <a:ea typeface="배달의민족 주아" panose="02020603020101020101" pitchFamily="18" charset="-127"/>
               </a:rPr>
               <a:t>서브 개발</a:t>
             </a:r>
-            <a:endParaRPr lang="en-US" altLang="ko-KR" sz="1300" dirty="0" smtClean="0">
+            <a:endParaRPr lang="en-US" altLang="ko-KR" sz="1300" dirty="0">
               <a:latin typeface="배달의민족 주아" panose="02020603020101020101" pitchFamily="18" charset="-127"/>
               <a:ea typeface="배달의민족 주아" panose="02020603020101020101" pitchFamily="18" charset="-127"/>
             </a:endParaRPr>
@@ -7768,14 +7811,14 @@
           <a:lstStyle/>
           <a:p>
             <a:r>
-              <a:rPr lang="ko-KR" altLang="en-US" sz="1300" dirty="0" smtClean="0">
+              <a:rPr lang="ko-KR" altLang="en-US" sz="1300" dirty="0">
                 <a:latin typeface="배달의민족 주아" panose="02020603020101020101" pitchFamily="18" charset="-127"/>
                 <a:ea typeface="배달의민족 주아" panose="02020603020101020101" pitchFamily="18" charset="-127"/>
               </a:rPr>
-              <a:t>서브 개발</a:t>
-            </a:r>
-            <a:r>
-              <a:rPr lang="en-US" altLang="ko-KR" sz="1300" dirty="0" smtClean="0">
+              <a:t>메인 개발</a:t>
+            </a:r>
+            <a:r>
+              <a:rPr lang="en-US" altLang="ko-KR" sz="1300" dirty="0">
                 <a:latin typeface="배달의민족 주아" panose="02020603020101020101" pitchFamily="18" charset="-127"/>
                 <a:ea typeface="배달의민족 주아" panose="02020603020101020101" pitchFamily="18" charset="-127"/>
               </a:rPr>
@@ -7807,27 +7850,27 @@
           <a:lstStyle/>
           <a:p>
             <a:r>
-              <a:rPr lang="ko-KR" altLang="en-US" sz="1300" dirty="0" smtClean="0">
+              <a:rPr lang="ko-KR" altLang="en-US" sz="1300" dirty="0">
                 <a:latin typeface="배달의민족 주아" panose="02020603020101020101" pitchFamily="18" charset="-127"/>
                 <a:ea typeface="배달의민족 주아" panose="02020603020101020101" pitchFamily="18" charset="-127"/>
               </a:rPr>
               <a:t>모델링</a:t>
             </a:r>
             <a:r>
-              <a:rPr lang="en-US" altLang="ko-KR" sz="1300" dirty="0" smtClean="0">
+              <a:rPr lang="en-US" altLang="ko-KR" sz="1300" dirty="0">
                 <a:latin typeface="배달의민족 주아" panose="02020603020101020101" pitchFamily="18" charset="-127"/>
                 <a:ea typeface="배달의민족 주아" panose="02020603020101020101" pitchFamily="18" charset="-127"/>
               </a:rPr>
               <a:t>, </a:t>
             </a:r>
             <a:r>
-              <a:rPr lang="ko-KR" altLang="en-US" sz="1300" dirty="0" err="1" smtClean="0">
+              <a:rPr lang="ko-KR" altLang="en-US" sz="1300" dirty="0" err="1">
                 <a:latin typeface="배달의민족 주아" panose="02020603020101020101" pitchFamily="18" charset="-127"/>
                 <a:ea typeface="배달의민족 주아" panose="02020603020101020101" pitchFamily="18" charset="-127"/>
               </a:rPr>
               <a:t>서브개발</a:t>
             </a:r>
-            <a:endParaRPr lang="en-US" altLang="ko-KR" sz="1300" dirty="0" smtClean="0">
+            <a:endParaRPr lang="en-US" altLang="ko-KR" sz="1300" dirty="0">
               <a:latin typeface="배달의민족 주아" panose="02020603020101020101" pitchFamily="18" charset="-127"/>
               <a:ea typeface="배달의민족 주아" panose="02020603020101020101" pitchFamily="18" charset="-127"/>
             </a:endParaRPr>
@@ -7857,56 +7900,42 @@
           <a:lstStyle/>
           <a:p>
             <a:r>
-              <a:rPr lang="en-US" altLang="ko-KR" dirty="0" smtClean="0">
-                <a:latin typeface="8bitoperator JVE" panose="00000400000000000000" pitchFamily="2" charset="-79"/>
-                <a:cs typeface="8bitoperator JVE" panose="00000400000000000000" pitchFamily="2" charset="-79"/>
-              </a:rPr>
-              <a:t>Special </a:t>
-            </a:r>
-            <a:r>
               <a:rPr lang="en-US" altLang="ko-KR" dirty="0">
                 <a:latin typeface="8bitoperator JVE" panose="00000400000000000000" pitchFamily="2" charset="-79"/>
                 <a:cs typeface="8bitoperator JVE" panose="00000400000000000000" pitchFamily="2" charset="-79"/>
               </a:rPr>
-              <a:t>T</a:t>
-            </a:r>
-            <a:r>
-              <a:rPr lang="en-US" altLang="ko-KR" dirty="0" smtClean="0">
-                <a:latin typeface="8bitoperator JVE" panose="00000400000000000000" pitchFamily="2" charset="-79"/>
-                <a:cs typeface="8bitoperator JVE" panose="00000400000000000000" pitchFamily="2" charset="-79"/>
-              </a:rPr>
-              <a:t>hanks </a:t>
-            </a:r>
-            <a:r>
-              <a:rPr lang="ko-KR" altLang="en-US" sz="1000" dirty="0" err="1" smtClean="0">
+              <a:t>Special Thanks </a:t>
+            </a:r>
+            <a:r>
+              <a:rPr lang="ko-KR" altLang="en-US" sz="1000" dirty="0" err="1">
                 <a:latin typeface="배달의민족 주아" panose="02020603020101020101" pitchFamily="18" charset="-127"/>
                 <a:ea typeface="배달의민족 주아" panose="02020603020101020101" pitchFamily="18" charset="-127"/>
               </a:rPr>
               <a:t>로키선배</a:t>
             </a:r>
             <a:r>
-              <a:rPr lang="en-US" altLang="ko-KR" sz="1000" dirty="0" smtClean="0">
+              <a:rPr lang="en-US" altLang="ko-KR" sz="1000" dirty="0">
                 <a:latin typeface="배달의민족 주아" panose="02020603020101020101" pitchFamily="18" charset="-127"/>
                 <a:ea typeface="배달의민족 주아" panose="02020603020101020101" pitchFamily="18" charset="-127"/>
               </a:rPr>
               <a:t>, </a:t>
             </a:r>
             <a:r>
-              <a:rPr lang="ko-KR" altLang="en-US" sz="1000" dirty="0" err="1" smtClean="0">
+              <a:rPr lang="ko-KR" altLang="en-US" sz="1000" dirty="0" err="1">
                 <a:latin typeface="배달의민족 주아" panose="02020603020101020101" pitchFamily="18" charset="-127"/>
                 <a:ea typeface="배달의민족 주아" panose="02020603020101020101" pitchFamily="18" charset="-127"/>
               </a:rPr>
               <a:t>남경선배</a:t>
             </a:r>
             <a:r>
-              <a:rPr lang="en-US" altLang="ko-KR" sz="1000" dirty="0" smtClean="0">
+              <a:rPr lang="en-US" altLang="ko-KR" sz="1000" dirty="0">
                 <a:latin typeface="배달의민족 주아" panose="02020603020101020101" pitchFamily="18" charset="-127"/>
                 <a:ea typeface="배달의민족 주아" panose="02020603020101020101" pitchFamily="18" charset="-127"/>
               </a:rPr>
               <a:t>, </a:t>
             </a:r>
             <a:r>
-              <a:rPr lang="ko-KR" altLang="en-US" sz="1000" dirty="0" err="1" smtClean="0">
+              <a:rPr lang="ko-KR" altLang="en-US" sz="1000" dirty="0" err="1">
                 <a:latin typeface="배달의민족 주아" panose="02020603020101020101" pitchFamily="18" charset="-127"/>
                 <a:ea typeface="배달의민족 주아" panose="02020603020101020101" pitchFamily="18" charset="-127"/>
               </a:rPr>
@@ -7929,13 +7958,6 @@
   <p:clrMapOvr>
     <a:masterClrMapping/>
   </p:clrMapOvr>
-  <p:timing>
-    <p:tnLst>
-      <p:par>
-        <p:cTn id="1" dur="indefinite" restart="never" nodeType="tmRoot"/>
-      </p:par>
-    </p:tnLst>
-  </p:timing>
 </p:sld>
 </file>
 
@@ -7965,7 +7987,7 @@
         <p:spPr>
           <a:xfrm>
             <a:off x="5393629" y="2999745"/>
-            <a:ext cx="1007171" cy="677108"/>
+            <a:ext cx="1850451" cy="677108"/>
           </a:xfrm>
           <a:prstGeom prst="rect">
             <a:avLst/>
@@ -7979,16 +8001,12 @@
           <a:lstStyle/>
           <a:p>
             <a:r>
-              <a:rPr lang="ko-KR" altLang="en-US" sz="3800" dirty="0" smtClean="0">
+              <a:rPr lang="ko-KR" altLang="en-US" sz="3800" dirty="0">
                 <a:latin typeface="배달의민족 주아" panose="02020603020101020101" pitchFamily="18" charset="-127"/>
                 <a:ea typeface="배달의민족 주아" panose="02020603020101020101" pitchFamily="18" charset="-127"/>
               </a:rPr>
               <a:t>게임</a:t>
             </a:r>
-            <a:endParaRPr lang="ko-KR" altLang="en-US" sz="3800" dirty="0">
-              <a:latin typeface="배달의민족 주아" panose="02020603020101020101" pitchFamily="18" charset="-127"/>
-              <a:ea typeface="배달의민족 주아" panose="02020603020101020101" pitchFamily="18" charset="-127"/>
-            </a:endParaRPr>
           </a:p>
         </p:txBody>
       </p:sp>
@@ -8001,7 +8019,7 @@
         <p:spPr>
           <a:xfrm>
             <a:off x="1734821" y="1655887"/>
-            <a:ext cx="5725711" cy="677108"/>
+            <a:ext cx="10519711" cy="677108"/>
           </a:xfrm>
           <a:prstGeom prst="rect">
             <a:avLst/>
@@ -8015,16 +8033,12 @@
           <a:lstStyle/>
           <a:p>
             <a:r>
-              <a:rPr lang="ko-KR" altLang="en-US" sz="3800" dirty="0" smtClean="0">
+              <a:rPr lang="ko-KR" altLang="en-US" sz="3800" dirty="0">
                 <a:latin typeface="배달의민족 주아" panose="02020603020101020101" pitchFamily="18" charset="-127"/>
                 <a:ea typeface="배달의민족 주아" panose="02020603020101020101" pitchFamily="18" charset="-127"/>
               </a:rPr>
               <a:t>세상에 도움이 되는</a:t>
             </a:r>
-            <a:endParaRPr lang="ko-KR" altLang="en-US" sz="3800" dirty="0">
-              <a:latin typeface="배달의민족 주아" panose="02020603020101020101" pitchFamily="18" charset="-127"/>
-              <a:ea typeface="배달의민족 주아" panose="02020603020101020101" pitchFamily="18" charset="-127"/>
-            </a:endParaRPr>
           </a:p>
         </p:txBody>
       </p:sp>
@@ -8037,7 +8051,7 @@
         <p:spPr>
           <a:xfrm>
             <a:off x="5393628" y="1666245"/>
-            <a:ext cx="1007171" cy="677108"/>
+            <a:ext cx="1850451" cy="677108"/>
           </a:xfrm>
           <a:prstGeom prst="rect">
             <a:avLst/>
@@ -8051,16 +8065,12 @@
           <a:lstStyle/>
           <a:p>
             <a:r>
-              <a:rPr lang="ko-KR" altLang="en-US" sz="3800" dirty="0" smtClean="0">
+              <a:rPr lang="ko-KR" altLang="en-US" sz="3800" dirty="0">
                 <a:latin typeface="배달의민족 주아" panose="02020603020101020101" pitchFamily="18" charset="-127"/>
                 <a:ea typeface="배달의민족 주아" panose="02020603020101020101" pitchFamily="18" charset="-127"/>
               </a:rPr>
               <a:t>코딩</a:t>
             </a:r>
-            <a:endParaRPr lang="ko-KR" altLang="en-US" sz="3800" dirty="0">
-              <a:latin typeface="배달의민족 주아" panose="02020603020101020101" pitchFamily="18" charset="-127"/>
-              <a:ea typeface="배달의민족 주아" panose="02020603020101020101" pitchFamily="18" charset="-127"/>
-            </a:endParaRPr>
           </a:p>
         </p:txBody>
       </p:sp>
@@ -8370,7 +8380,7 @@
           <a:lstStyle/>
           <a:p>
             <a:r>
-              <a:rPr lang="ko-KR" altLang="en-US" sz="3800" dirty="0" err="1" smtClean="0">
+              <a:rPr lang="ko-KR" altLang="en-US" sz="3800" dirty="0" err="1">
                 <a:latin typeface="배달의민족 주아" panose="02020603020101020101" pitchFamily="18" charset="-127"/>
                 <a:ea typeface="배달의민족 주아" panose="02020603020101020101" pitchFamily="18" charset="-127"/>
               </a:rPr>
@@ -8406,16 +8416,12 @@
           <a:lstStyle/>
           <a:p>
             <a:r>
-              <a:rPr lang="ko-KR" altLang="en-US" sz="3800" dirty="0" smtClean="0">
+              <a:rPr lang="ko-KR" altLang="en-US" sz="3800" dirty="0">
                 <a:latin typeface="배달의민족 주아" panose="02020603020101020101" pitchFamily="18" charset="-127"/>
                 <a:ea typeface="배달의민족 주아" panose="02020603020101020101" pitchFamily="18" charset="-127"/>
               </a:rPr>
               <a:t>쉽고</a:t>
             </a:r>
-            <a:endParaRPr lang="ko-KR" altLang="en-US" sz="3800" dirty="0">
-              <a:latin typeface="배달의민족 주아" panose="02020603020101020101" pitchFamily="18" charset="-127"/>
-              <a:ea typeface="배달의민족 주아" panose="02020603020101020101" pitchFamily="18" charset="-127"/>
-            </a:endParaRPr>
           </a:p>
         </p:txBody>
       </p:sp>
@@ -8442,22 +8448,18 @@
           <a:lstStyle/>
           <a:p>
             <a:r>
-              <a:rPr lang="ko-KR" altLang="en-US" sz="3300" dirty="0" smtClean="0">
+              <a:rPr lang="ko-KR" altLang="en-US" sz="3300" dirty="0">
                 <a:latin typeface="배달의민족 주아" panose="02020603020101020101" pitchFamily="18" charset="-127"/>
                 <a:ea typeface="배달의민족 주아" panose="02020603020101020101" pitchFamily="18" charset="-127"/>
               </a:rPr>
               <a:t>높은 접근성</a:t>
             </a:r>
-            <a:endParaRPr lang="ko-KR" altLang="en-US" sz="3300" dirty="0">
-              <a:latin typeface="배달의민족 주아" panose="02020603020101020101" pitchFamily="18" charset="-127"/>
-              <a:ea typeface="배달의민족 주아" panose="02020603020101020101" pitchFamily="18" charset="-127"/>
-            </a:endParaRPr>
           </a:p>
         </p:txBody>
       </p:sp>
       <p:pic>
         <p:nvPicPr>
-          <p:cNvPr id="6" name="그림 5"/>
+          <p:cNvPr id="7" name="그림 6"/>
           <p:cNvPicPr>
             <a:picLocks noChangeAspect="1"/>
           </p:cNvPicPr>
@@ -8471,8 +8473,8 @@
         </p:blipFill>
         <p:spPr>
           <a:xfrm>
-            <a:off x="4376792" y="1930723"/>
-            <a:ext cx="3070294" cy="1460594"/>
+            <a:off x="4376792" y="2182807"/>
+            <a:ext cx="3118381" cy="1470120"/>
           </a:xfrm>
           <a:prstGeom prst="rect">
             <a:avLst/>
@@ -8481,7 +8483,13 @@
       </p:pic>
       <p:pic>
         <p:nvPicPr>
-          <p:cNvPr id="7" name="그림 6"/>
+          <p:cNvPr id="3" name="그림 2">
+            <a:extLst>
+              <a:ext uri="{FF2B5EF4-FFF2-40B4-BE49-F238E27FC236}">
+                <a16:creationId xmlns:a16="http://schemas.microsoft.com/office/drawing/2014/main" id="{1D7E6D66-19BB-40CD-B18A-4241B5322D1E}"/>
+              </a:ext>
+            </a:extLst>
+          </p:cNvPr>
           <p:cNvPicPr>
             <a:picLocks noChangeAspect="1"/>
           </p:cNvPicPr>
@@ -8495,12 +8503,166 @@
         </p:blipFill>
         <p:spPr>
           <a:xfrm>
-            <a:off x="4376792" y="3599047"/>
-            <a:ext cx="3118381" cy="1470120"/>
+            <a:off x="816468" y="2739515"/>
+            <a:ext cx="3070294" cy="1719064"/>
           </a:xfrm>
           <a:prstGeom prst="rect">
             <a:avLst/>
           </a:prstGeom>
+        </p:spPr>
+      </p:pic>
+      <p:pic>
+        <p:nvPicPr>
+          <p:cNvPr id="8" name="그림 7">
+            <a:extLst>
+              <a:ext uri="{FF2B5EF4-FFF2-40B4-BE49-F238E27FC236}">
+                <a16:creationId xmlns:a16="http://schemas.microsoft.com/office/drawing/2014/main" id="{1946EF44-BD40-452D-8150-85BFC24269DB}"/>
+              </a:ext>
+            </a:extLst>
+          </p:cNvPr>
+          <p:cNvPicPr>
+            <a:picLocks noChangeAspect="1"/>
+          </p:cNvPicPr>
+          <p:nvPr/>
+        </p:nvPicPr>
+        <p:blipFill>
+          <a:blip r:embed="rId5"/>
+          <a:stretch>
+            <a:fillRect/>
+          </a:stretch>
+        </p:blipFill>
+        <p:spPr>
+          <a:xfrm rot="20278160">
+            <a:off x="4684689" y="4084287"/>
+            <a:ext cx="1210966" cy="886718"/>
+          </a:xfrm>
+          <a:prstGeom prst="rect">
+            <a:avLst/>
+          </a:prstGeom>
+        </p:spPr>
+      </p:pic>
+      <p:pic>
+        <p:nvPicPr>
+          <p:cNvPr id="9" name="그림 8">
+            <a:extLst>
+              <a:ext uri="{FF2B5EF4-FFF2-40B4-BE49-F238E27FC236}">
+                <a16:creationId xmlns:a16="http://schemas.microsoft.com/office/drawing/2014/main" id="{621E90FD-C122-42E7-AFDD-BA1B43745126}"/>
+              </a:ext>
+            </a:extLst>
+          </p:cNvPr>
+          <p:cNvPicPr>
+            <a:picLocks noChangeAspect="1"/>
+          </p:cNvPicPr>
+          <p:nvPr/>
+        </p:nvPicPr>
+        <p:blipFill>
+          <a:blip r:embed="rId6"/>
+          <a:stretch>
+            <a:fillRect/>
+          </a:stretch>
+        </p:blipFill>
+        <p:spPr>
+          <a:xfrm rot="1294102">
+            <a:off x="5962994" y="4391458"/>
+            <a:ext cx="1511416" cy="1095048"/>
+          </a:xfrm>
+          <a:prstGeom prst="rect">
+            <a:avLst/>
+          </a:prstGeom>
+        </p:spPr>
+      </p:pic>
+      <p:pic>
+        <p:nvPicPr>
+          <p:cNvPr id="1026" name="Picture 2" descr="Tiny pc - Free computer icons">
+            <a:extLst>
+              <a:ext uri="{FF2B5EF4-FFF2-40B4-BE49-F238E27FC236}">
+                <a16:creationId xmlns:a16="http://schemas.microsoft.com/office/drawing/2014/main" id="{AE1EB774-0255-4D50-BE21-AA179C4A90F3}"/>
+              </a:ext>
+            </a:extLst>
+          </p:cNvPr>
+          <p:cNvPicPr>
+            <a:picLocks noChangeAspect="1" noChangeArrowheads="1"/>
+          </p:cNvPicPr>
+          <p:nvPr/>
+        </p:nvPicPr>
+        <p:blipFill>
+          <a:blip r:embed="rId7">
+            <a:extLst>
+              <a:ext uri="{28A0092B-C50C-407E-A947-70E740481C1C}">
+                <a14:useLocalDpi xmlns:a14="http://schemas.microsoft.com/office/drawing/2010/main" val="0"/>
+              </a:ext>
+            </a:extLst>
+          </a:blip>
+          <a:srcRect/>
+          <a:stretch>
+            <a:fillRect/>
+          </a:stretch>
+        </p:blipFill>
+        <p:spPr bwMode="auto">
+          <a:xfrm>
+            <a:off x="8171005" y="1782392"/>
+            <a:ext cx="2550268" cy="2550268"/>
+          </a:xfrm>
+          <a:prstGeom prst="rect">
+            <a:avLst/>
+          </a:prstGeom>
+          <a:noFill/>
+          <a:extLst>
+            <a:ext uri="{909E8E84-426E-40DD-AFC4-6F175D3DCCD1}">
+              <a14:hiddenFill xmlns:a14="http://schemas.microsoft.com/office/drawing/2010/main">
+                <a:solidFill>
+                  <a:srgbClr val="FFFFFF"/>
+                </a:solidFill>
+              </a14:hiddenFill>
+            </a:ext>
+          </a:extLst>
+        </p:spPr>
+      </p:pic>
+      <p:pic>
+        <p:nvPicPr>
+          <p:cNvPr id="1028" name="Picture 4" descr="Call, mobile, phone, telephone icon - Free download">
+            <a:extLst>
+              <a:ext uri="{FF2B5EF4-FFF2-40B4-BE49-F238E27FC236}">
+                <a16:creationId xmlns:a16="http://schemas.microsoft.com/office/drawing/2014/main" id="{410BE90C-9EBD-4A38-80D7-A0169A6B00EF}"/>
+              </a:ext>
+            </a:extLst>
+          </p:cNvPr>
+          <p:cNvPicPr>
+            <a:picLocks noChangeAspect="1" noChangeArrowheads="1"/>
+          </p:cNvPicPr>
+          <p:nvPr/>
+        </p:nvPicPr>
+        <p:blipFill>
+          <a:blip r:embed="rId8">
+            <a:extLst>
+              <a:ext uri="{28A0092B-C50C-407E-A947-70E740481C1C}">
+                <a14:useLocalDpi xmlns:a14="http://schemas.microsoft.com/office/drawing/2010/main" val="0"/>
+              </a:ext>
+            </a:extLst>
+          </a:blip>
+          <a:srcRect/>
+          <a:stretch>
+            <a:fillRect/>
+          </a:stretch>
+        </p:blipFill>
+        <p:spPr bwMode="auto">
+          <a:xfrm rot="1036340">
+            <a:off x="8754606" y="4169628"/>
+            <a:ext cx="1538708" cy="1538708"/>
+          </a:xfrm>
+          <a:prstGeom prst="rect">
+            <a:avLst/>
+          </a:prstGeom>
+          <a:noFill/>
+          <a:extLst>
+            <a:ext uri="{909E8E84-426E-40DD-AFC4-6F175D3DCCD1}">
+              <a14:hiddenFill xmlns:a14="http://schemas.microsoft.com/office/drawing/2010/main">
+                <a:solidFill>
+                  <a:srgbClr val="FFFFFF"/>
+                </a:solidFill>
+              </a14:hiddenFill>
+            </a:ext>
+          </a:extLst>
         </p:spPr>
       </p:pic>
     </p:spTree>
@@ -8700,7 +8862,7 @@
                                   <p:childTnLst>
                                     <p:animMotion origin="layout" path="M 2.91667E-6 -4.44444E-6 L 2.91667E-6 -0.32013 " pathEditMode="relative" rAng="0" ptsTypes="AA">
                                       <p:cBhvr>
-                                        <p:cTn id="21" dur="2000" fill="hold"/>
+                                        <p:cTn id="21" dur="1000" fill="hold"/>
                                         <p:tgtEl>
                                           <p:spTgt spid="4"/>
                                         </p:tgtEl>
@@ -8733,14 +8895,67 @@
                             </p:stCondLst>
                             <p:childTnLst>
                               <p:par>
-                                <p:cTn id="24" presetID="42" presetClass="path" presetSubtype="0" accel="50000" decel="50000" fill="hold" grpId="1" nodeType="clickEffect">
+                                <p:cTn id="24" presetID="10" presetClass="entr" presetSubtype="0" fill="hold" nodeType="clickEffect">
+                                  <p:stCondLst>
+                                    <p:cond delay="0"/>
+                                  </p:stCondLst>
+                                  <p:childTnLst>
+                                    <p:set>
+                                      <p:cBhvr>
+                                        <p:cTn id="25" dur="1" fill="hold">
+                                          <p:stCondLst>
+                                            <p:cond delay="0"/>
+                                          </p:stCondLst>
+                                        </p:cTn>
+                                        <p:tgtEl>
+                                          <p:spTgt spid="3"/>
+                                        </p:tgtEl>
+                                        <p:attrNameLst>
+                                          <p:attrName>style.visibility</p:attrName>
+                                        </p:attrNameLst>
+                                      </p:cBhvr>
+                                      <p:to>
+                                        <p:strVal val="visible"/>
+                                      </p:to>
+                                    </p:set>
+                                    <p:animEffect transition="in" filter="fade">
+                                      <p:cBhvr>
+                                        <p:cTn id="26" dur="500"/>
+                                        <p:tgtEl>
+                                          <p:spTgt spid="3"/>
+                                        </p:tgtEl>
+                                      </p:cBhvr>
+                                    </p:animEffect>
+                                  </p:childTnLst>
+                                </p:cTn>
+                              </p:par>
+                            </p:childTnLst>
+                          </p:cTn>
+                        </p:par>
+                      </p:childTnLst>
+                    </p:cTn>
+                  </p:par>
+                  <p:par>
+                    <p:cTn id="27" fill="hold">
+                      <p:stCondLst>
+                        <p:cond delay="indefinite"/>
+                      </p:stCondLst>
+                      <p:childTnLst>
+                        <p:par>
+                          <p:cTn id="28" fill="hold">
+                            <p:stCondLst>
+                              <p:cond delay="0"/>
+                            </p:stCondLst>
+                            <p:childTnLst>
+                              <p:par>
+                                <p:cTn id="29" presetID="42" presetClass="path" presetSubtype="0" accel="50000" decel="50000" fill="hold" grpId="1" nodeType="clickEffect">
                                   <p:stCondLst>
                                     <p:cond delay="0"/>
                                   </p:stCondLst>
                                   <p:childTnLst>
                                     <p:animMotion origin="layout" path="M -4.58333E-6 1.11111E-6 L -4.58333E-6 -0.32083 " pathEditMode="relative" rAng="0" ptsTypes="AA">
                                       <p:cBhvr>
-                                        <p:cTn id="25" dur="2000" fill="hold"/>
+                                        <p:cTn id="30" dur="1000" fill="hold"/>
                                         <p:tgtEl>
                                           <p:spTgt spid="2"/>
                                         </p:tgtEl>
@@ -8761,26 +8976,167 @@
                     </p:cTn>
                   </p:par>
                   <p:par>
-                    <p:cTn id="26" fill="hold">
+                    <p:cTn id="31" fill="hold">
                       <p:stCondLst>
                         <p:cond delay="indefinite"/>
                       </p:stCondLst>
                       <p:childTnLst>
                         <p:par>
-                          <p:cTn id="27" fill="hold">
+                          <p:cTn id="32" fill="hold">
                             <p:stCondLst>
                               <p:cond delay="0"/>
                             </p:stCondLst>
                             <p:childTnLst>
                               <p:par>
-                                <p:cTn id="28" presetID="42" presetClass="path" presetSubtype="0" accel="50000" decel="50000" fill="hold" grpId="1" nodeType="clickEffect">
+                                <p:cTn id="33" presetID="10" presetClass="entr" presetSubtype="0" fill="hold" nodeType="clickEffect">
+                                  <p:stCondLst>
+                                    <p:cond delay="0"/>
+                                  </p:stCondLst>
+                                  <p:childTnLst>
+                                    <p:set>
+                                      <p:cBhvr>
+                                        <p:cTn id="34" dur="1" fill="hold">
+                                          <p:stCondLst>
+                                            <p:cond delay="0"/>
+                                          </p:stCondLst>
+                                        </p:cTn>
+                                        <p:tgtEl>
+                                          <p:spTgt spid="7"/>
+                                        </p:tgtEl>
+                                        <p:attrNameLst>
+                                          <p:attrName>style.visibility</p:attrName>
+                                        </p:attrNameLst>
+                                      </p:cBhvr>
+                                      <p:to>
+                                        <p:strVal val="visible"/>
+                                      </p:to>
+                                    </p:set>
+                                    <p:animEffect transition="in" filter="fade">
+                                      <p:cBhvr>
+                                        <p:cTn id="35" dur="500"/>
+                                        <p:tgtEl>
+                                          <p:spTgt spid="7"/>
+                                        </p:tgtEl>
+                                      </p:cBhvr>
+                                    </p:animEffect>
+                                  </p:childTnLst>
+                                </p:cTn>
+                              </p:par>
+                            </p:childTnLst>
+                          </p:cTn>
+                        </p:par>
+                        <p:par>
+                          <p:cTn id="36" fill="hold">
+                            <p:stCondLst>
+                              <p:cond delay="500"/>
+                            </p:stCondLst>
+                            <p:childTnLst>
+                              <p:par>
+                                <p:cTn id="37" presetID="10" presetClass="entr" presetSubtype="0" fill="hold" nodeType="afterEffect">
+                                  <p:stCondLst>
+                                    <p:cond delay="0"/>
+                                  </p:stCondLst>
+                                  <p:childTnLst>
+                                    <p:set>
+                                      <p:cBhvr>
+                                        <p:cTn id="38" dur="1" fill="hold">
+                                          <p:stCondLst>
+                                            <p:cond delay="0"/>
+                                          </p:stCondLst>
+                                        </p:cTn>
+                                        <p:tgtEl>
+                                          <p:spTgt spid="8"/>
+                                        </p:tgtEl>
+                                        <p:attrNameLst>
+                                          <p:attrName>style.visibility</p:attrName>
+                                        </p:attrNameLst>
+                                      </p:cBhvr>
+                                      <p:to>
+                                        <p:strVal val="visible"/>
+                                      </p:to>
+                                    </p:set>
+                                    <p:animEffect transition="in" filter="fade">
+                                      <p:cBhvr>
+                                        <p:cTn id="39" dur="500"/>
+                                        <p:tgtEl>
+                                          <p:spTgt spid="8"/>
+                                        </p:tgtEl>
+                                      </p:cBhvr>
+                                    </p:animEffect>
+                                  </p:childTnLst>
+                                </p:cTn>
+                              </p:par>
+                            </p:childTnLst>
+                          </p:cTn>
+                        </p:par>
+                        <p:par>
+                          <p:cTn id="40" fill="hold">
+                            <p:stCondLst>
+                              <p:cond delay="1000"/>
+                            </p:stCondLst>
+                            <p:childTnLst>
+                              <p:par>
+                                <p:cTn id="41" presetID="10" presetClass="entr" presetSubtype="0" fill="hold" nodeType="afterEffect">
+                                  <p:stCondLst>
+                                    <p:cond delay="0"/>
+                                  </p:stCondLst>
+                                  <p:childTnLst>
+                                    <p:set>
+                                      <p:cBhvr>
+                                        <p:cTn id="42" dur="1" fill="hold">
+                                          <p:stCondLst>
+                                            <p:cond delay="0"/>
+                                          </p:stCondLst>
+                                        </p:cTn>
+                                        <p:tgtEl>
+                                          <p:spTgt spid="9"/>
+                                        </p:tgtEl>
+                                        <p:attrNameLst>
+                                          <p:attrName>style.visibility</p:attrName>
+                                        </p:attrNameLst>
+                                      </p:cBhvr>
+                                      <p:to>
+                                        <p:strVal val="visible"/>
+                                      </p:to>
+                                    </p:set>
+                                    <p:animEffect transition="in" filter="fade">
+                                      <p:cBhvr>
+                                        <p:cTn id="43" dur="500"/>
+                                        <p:tgtEl>
+                                          <p:spTgt spid="9"/>
+                                        </p:tgtEl>
+                                      </p:cBhvr>
+                                    </p:animEffect>
+                                  </p:childTnLst>
+                                </p:cTn>
+                              </p:par>
+                            </p:childTnLst>
+                          </p:cTn>
+                        </p:par>
+                      </p:childTnLst>
+                    </p:cTn>
+                  </p:par>
+                  <p:par>
+                    <p:cTn id="44" fill="hold">
+                      <p:stCondLst>
+                        <p:cond delay="indefinite"/>
+                      </p:stCondLst>
+                      <p:childTnLst>
+                        <p:par>
+                          <p:cTn id="45" fill="hold">
+                            <p:stCondLst>
+                              <p:cond delay="0"/>
+                            </p:stCondLst>
+                            <p:childTnLst>
+                              <p:par>
+                                <p:cTn id="46" presetID="42" presetClass="path" presetSubtype="0" accel="50000" decel="50000" fill="hold" grpId="1" nodeType="clickEffect">
                                   <p:stCondLst>
                                     <p:cond delay="0"/>
                                   </p:stCondLst>
                                   <p:childTnLst>
                                     <p:animMotion origin="layout" path="M -1.875E-6 1.11111E-6 L -1.875E-6 -0.31968 " pathEditMode="relative" rAng="0" ptsTypes="AA">
                                       <p:cBhvr>
-                                        <p:cTn id="29" dur="2000" fill="hold"/>
+                                        <p:cTn id="47" dur="1000" fill="hold"/>
                                         <p:tgtEl>
                                           <p:spTgt spid="5"/>
                                         </p:tgtEl>
@@ -8791,6 +9147,94 @@
                                       </p:cBhvr>
                                       <p:rCtr x="0" y="-15995"/>
                                     </p:animMotion>
+                                  </p:childTnLst>
+                                </p:cTn>
+                              </p:par>
+                            </p:childTnLst>
+                          </p:cTn>
+                        </p:par>
+                      </p:childTnLst>
+                    </p:cTn>
+                  </p:par>
+                  <p:par>
+                    <p:cTn id="48" fill="hold">
+                      <p:stCondLst>
+                        <p:cond delay="indefinite"/>
+                      </p:stCondLst>
+                      <p:childTnLst>
+                        <p:par>
+                          <p:cTn id="49" fill="hold">
+                            <p:stCondLst>
+                              <p:cond delay="0"/>
+                            </p:stCondLst>
+                            <p:childTnLst>
+                              <p:par>
+                                <p:cTn id="50" presetID="10" presetClass="entr" presetSubtype="0" fill="hold" nodeType="clickEffect">
+                                  <p:stCondLst>
+                                    <p:cond delay="0"/>
+                                  </p:stCondLst>
+                                  <p:childTnLst>
+                                    <p:set>
+                                      <p:cBhvr>
+                                        <p:cTn id="51" dur="1" fill="hold">
+                                          <p:stCondLst>
+                                            <p:cond delay="0"/>
+                                          </p:stCondLst>
+                                        </p:cTn>
+                                        <p:tgtEl>
+                                          <p:spTgt spid="1026"/>
+                                        </p:tgtEl>
+                                        <p:attrNameLst>
+                                          <p:attrName>style.visibility</p:attrName>
+                                        </p:attrNameLst>
+                                      </p:cBhvr>
+                                      <p:to>
+                                        <p:strVal val="visible"/>
+                                      </p:to>
+                                    </p:set>
+                                    <p:animEffect transition="in" filter="fade">
+                                      <p:cBhvr>
+                                        <p:cTn id="52" dur="500"/>
+                                        <p:tgtEl>
+                                          <p:spTgt spid="1026"/>
+                                        </p:tgtEl>
+                                      </p:cBhvr>
+                                    </p:animEffect>
+                                  </p:childTnLst>
+                                </p:cTn>
+                              </p:par>
+                              <p:par>
+                                <p:cTn id="53" presetID="10" presetClass="entr" presetSubtype="0" fill="hold" nodeType="withEffect">
+                                  <p:stCondLst>
+                                    <p:cond delay="0"/>
+                                  </p:stCondLst>
+                                  <p:childTnLst>
+                                    <p:set>
+                                      <p:cBhvr>
+                                        <p:cTn id="54" dur="1" fill="hold">
+                                          <p:stCondLst>
+                                            <p:cond delay="0"/>
+                                          </p:stCondLst>
+                                        </p:cTn>
+                                        <p:tgtEl>
+                                          <p:spTgt spid="1028"/>
+                                        </p:tgtEl>
+                                        <p:attrNameLst>
+                                          <p:attrName>style.visibility</p:attrName>
+                                        </p:attrNameLst>
+                                      </p:cBhvr>
+                                      <p:to>
+                                        <p:strVal val="visible"/>
+                                      </p:to>
+                                    </p:set>
+                                    <p:animEffect transition="in" filter="fade">
+                                      <p:cBhvr>
+                                        <p:cTn id="55" dur="500"/>
+                                        <p:tgtEl>
+                                          <p:spTgt spid="1028"/>
+                                        </p:tgtEl>
+                                      </p:cBhvr>
+                                    </p:animEffect>
                                   </p:childTnLst>
                                 </p:cTn>
                               </p:par>
@@ -8866,13 +9310,594 @@
           <a:lstStyle/>
           <a:p>
             <a:r>
-              <a:rPr lang="ko-KR" altLang="en-US" dirty="0" smtClean="0"/>
+              <a:rPr lang="ko-KR" altLang="en-US" dirty="0">
+                <a:latin typeface="배달의민족 주아" panose="02020603020101020101" pitchFamily="18" charset="-127"/>
+                <a:ea typeface="배달의민족 주아" panose="02020603020101020101" pitchFamily="18" charset="-127"/>
+              </a:rPr>
               <a:t>개발도구</a:t>
             </a:r>
-            <a:endParaRPr lang="ko-KR" altLang="en-US" dirty="0"/>
-          </a:p>
-        </p:txBody>
-      </p:sp>
+          </a:p>
+        </p:txBody>
+      </p:sp>
+      <p:pic>
+        <p:nvPicPr>
+          <p:cNvPr id="1026" name="Picture 2" descr="Guidelines for Using Unity Trademarks - Unity">
+            <a:extLst>
+              <a:ext uri="{FF2B5EF4-FFF2-40B4-BE49-F238E27FC236}">
+                <a16:creationId xmlns:a16="http://schemas.microsoft.com/office/drawing/2014/main" id="{CB54A95B-0207-4E09-8627-56BF957C4754}"/>
+              </a:ext>
+            </a:extLst>
+          </p:cNvPr>
+          <p:cNvPicPr>
+            <a:picLocks noChangeAspect="1" noChangeArrowheads="1"/>
+          </p:cNvPicPr>
+          <p:nvPr/>
+        </p:nvPicPr>
+        <p:blipFill>
+          <a:blip r:embed="rId2">
+            <a:extLst>
+              <a:ext uri="{28A0092B-C50C-407E-A947-70E740481C1C}">
+                <a14:useLocalDpi xmlns:a14="http://schemas.microsoft.com/office/drawing/2010/main" val="0"/>
+              </a:ext>
+            </a:extLst>
+          </a:blip>
+          <a:srcRect/>
+          <a:stretch>
+            <a:fillRect/>
+          </a:stretch>
+        </p:blipFill>
+        <p:spPr bwMode="auto">
+          <a:xfrm>
+            <a:off x="1219201" y="2914341"/>
+            <a:ext cx="1936115" cy="1029318"/>
+          </a:xfrm>
+          <a:prstGeom prst="rect">
+            <a:avLst/>
+          </a:prstGeom>
+          <a:noFill/>
+          <a:extLst>
+            <a:ext uri="{909E8E84-426E-40DD-AFC4-6F175D3DCCD1}">
+              <a14:hiddenFill xmlns:a14="http://schemas.microsoft.com/office/drawing/2010/main">
+                <a:solidFill>
+                  <a:srgbClr val="FFFFFF"/>
+                </a:solidFill>
+              </a14:hiddenFill>
+            </a:ext>
+          </a:extLst>
+        </p:spPr>
+      </p:pic>
+      <p:pic>
+        <p:nvPicPr>
+          <p:cNvPr id="1028" name="Picture 4" descr="C# 강좌 : 제 1강 - 소개 및 설치 | 076923">
+            <a:extLst>
+              <a:ext uri="{FF2B5EF4-FFF2-40B4-BE49-F238E27FC236}">
+                <a16:creationId xmlns:a16="http://schemas.microsoft.com/office/drawing/2014/main" id="{7742DBBC-C303-4BAF-AF9E-C26360A19610}"/>
+              </a:ext>
+            </a:extLst>
+          </p:cNvPr>
+          <p:cNvPicPr>
+            <a:picLocks noChangeAspect="1" noChangeArrowheads="1"/>
+          </p:cNvPicPr>
+          <p:nvPr/>
+        </p:nvPicPr>
+        <p:blipFill>
+          <a:blip r:embed="rId3">
+            <a:extLst>
+              <a:ext uri="{28A0092B-C50C-407E-A947-70E740481C1C}">
+                <a14:useLocalDpi xmlns:a14="http://schemas.microsoft.com/office/drawing/2010/main" val="0"/>
+              </a:ext>
+            </a:extLst>
+          </a:blip>
+          <a:srcRect/>
+          <a:stretch>
+            <a:fillRect/>
+          </a:stretch>
+        </p:blipFill>
+        <p:spPr bwMode="auto">
+          <a:xfrm>
+            <a:off x="1219201" y="4086226"/>
+            <a:ext cx="1123950" cy="1123950"/>
+          </a:xfrm>
+          <a:prstGeom prst="rect">
+            <a:avLst/>
+          </a:prstGeom>
+          <a:noFill/>
+          <a:extLst>
+            <a:ext uri="{909E8E84-426E-40DD-AFC4-6F175D3DCCD1}">
+              <a14:hiddenFill xmlns:a14="http://schemas.microsoft.com/office/drawing/2010/main">
+                <a:solidFill>
+                  <a:srgbClr val="FFFFFF"/>
+                </a:solidFill>
+              </a14:hiddenFill>
+            </a:ext>
+          </a:extLst>
+        </p:spPr>
+      </p:pic>
+      <p:sp>
+        <p:nvSpPr>
+          <p:cNvPr id="4" name="TextBox 3">
+            <a:extLst>
+              <a:ext uri="{FF2B5EF4-FFF2-40B4-BE49-F238E27FC236}">
+                <a16:creationId xmlns:a16="http://schemas.microsoft.com/office/drawing/2014/main" id="{ED34D434-A158-4123-A376-AEEF9A0F9F84}"/>
+              </a:ext>
+            </a:extLst>
+          </p:cNvPr>
+          <p:cNvSpPr txBox="1"/>
+          <p:nvPr/>
+        </p:nvSpPr>
+        <p:spPr>
+          <a:xfrm>
+            <a:off x="1921354" y="2142355"/>
+            <a:ext cx="843594" cy="523220"/>
+          </a:xfrm>
+          <a:prstGeom prst="rect">
+            <a:avLst/>
+          </a:prstGeom>
+          <a:noFill/>
+        </p:spPr>
+        <p:txBody>
+          <a:bodyPr wrap="square" rtlCol="0">
+            <a:spAutoFit/>
+          </a:bodyPr>
+          <a:lstStyle/>
+          <a:p>
+            <a:r>
+              <a:rPr lang="ko-KR" altLang="en-US" sz="2800" dirty="0">
+                <a:latin typeface="배달의민족 주아" panose="02020603020101020101" pitchFamily="18" charset="-127"/>
+                <a:ea typeface="배달의민족 주아" panose="02020603020101020101" pitchFamily="18" charset="-127"/>
+              </a:rPr>
+              <a:t>개발</a:t>
+            </a:r>
+          </a:p>
+        </p:txBody>
+      </p:sp>
+      <p:pic>
+        <p:nvPicPr>
+          <p:cNvPr id="1032" name="Picture 8">
+            <a:extLst>
+              <a:ext uri="{FF2B5EF4-FFF2-40B4-BE49-F238E27FC236}">
+                <a16:creationId xmlns:a16="http://schemas.microsoft.com/office/drawing/2014/main" id="{B002FA9F-B600-4D8E-8D3C-0E18D01053BA}"/>
+              </a:ext>
+            </a:extLst>
+          </p:cNvPr>
+          <p:cNvPicPr>
+            <a:picLocks noChangeAspect="1" noChangeArrowheads="1"/>
+          </p:cNvPicPr>
+          <p:nvPr/>
+        </p:nvPicPr>
+        <p:blipFill>
+          <a:blip r:embed="rId4">
+            <a:extLst>
+              <a:ext uri="{28A0092B-C50C-407E-A947-70E740481C1C}">
+                <a14:useLocalDpi xmlns:a14="http://schemas.microsoft.com/office/drawing/2010/main" val="0"/>
+              </a:ext>
+            </a:extLst>
+          </a:blip>
+          <a:srcRect/>
+          <a:stretch>
+            <a:fillRect/>
+          </a:stretch>
+        </p:blipFill>
+        <p:spPr bwMode="auto">
+          <a:xfrm>
+            <a:off x="2423160" y="4201950"/>
+            <a:ext cx="892501" cy="892501"/>
+          </a:xfrm>
+          <a:prstGeom prst="rect">
+            <a:avLst/>
+          </a:prstGeom>
+          <a:noFill/>
+          <a:extLst>
+            <a:ext uri="{909E8E84-426E-40DD-AFC4-6F175D3DCCD1}">
+              <a14:hiddenFill xmlns:a14="http://schemas.microsoft.com/office/drawing/2010/main">
+                <a:solidFill>
+                  <a:srgbClr val="FFFFFF"/>
+                </a:solidFill>
+              </a14:hiddenFill>
+            </a:ext>
+          </a:extLst>
+        </p:spPr>
+      </p:pic>
+      <p:sp>
+        <p:nvSpPr>
+          <p:cNvPr id="6" name="TextBox 5">
+            <a:extLst>
+              <a:ext uri="{FF2B5EF4-FFF2-40B4-BE49-F238E27FC236}">
+                <a16:creationId xmlns:a16="http://schemas.microsoft.com/office/drawing/2014/main" id="{E4D6A963-E650-4D3E-A423-834522DAB567}"/>
+              </a:ext>
+            </a:extLst>
+          </p:cNvPr>
+          <p:cNvSpPr txBox="1"/>
+          <p:nvPr/>
+        </p:nvSpPr>
+        <p:spPr>
+          <a:xfrm>
+            <a:off x="1183798" y="5450534"/>
+            <a:ext cx="3162300" cy="400110"/>
+          </a:xfrm>
+          <a:prstGeom prst="rect">
+            <a:avLst/>
+          </a:prstGeom>
+          <a:noFill/>
+        </p:spPr>
+        <p:txBody>
+          <a:bodyPr wrap="square" rtlCol="0">
+            <a:spAutoFit/>
+          </a:bodyPr>
+          <a:lstStyle/>
+          <a:p>
+            <a:r>
+              <a:rPr lang="en-US" altLang="ko-KR" sz="2000" dirty="0">
+                <a:latin typeface="배달의민족 주아" panose="02020603020101020101" pitchFamily="18" charset="-127"/>
+                <a:ea typeface="배달의민족 주아" panose="02020603020101020101" pitchFamily="18" charset="-127"/>
+              </a:rPr>
+              <a:t>UNITY 3D, C#, Json</a:t>
+            </a:r>
+            <a:endParaRPr lang="ko-KR" altLang="en-US" sz="2000" dirty="0">
+              <a:latin typeface="배달의민족 주아" panose="02020603020101020101" pitchFamily="18" charset="-127"/>
+              <a:ea typeface="배달의민족 주아" panose="02020603020101020101" pitchFamily="18" charset="-127"/>
+            </a:endParaRPr>
+          </a:p>
+        </p:txBody>
+      </p:sp>
+      <p:pic>
+        <p:nvPicPr>
+          <p:cNvPr id="1034" name="Picture 10" descr="Logo — blender.org">
+            <a:extLst>
+              <a:ext uri="{FF2B5EF4-FFF2-40B4-BE49-F238E27FC236}">
+                <a16:creationId xmlns:a16="http://schemas.microsoft.com/office/drawing/2014/main" id="{A9FA3939-DE67-4C09-9B89-1641CC35C24D}"/>
+              </a:ext>
+            </a:extLst>
+          </p:cNvPr>
+          <p:cNvPicPr>
+            <a:picLocks noChangeAspect="1" noChangeArrowheads="1"/>
+          </p:cNvPicPr>
+          <p:nvPr/>
+        </p:nvPicPr>
+        <p:blipFill>
+          <a:blip r:embed="rId5">
+            <a:extLst>
+              <a:ext uri="{28A0092B-C50C-407E-A947-70E740481C1C}">
+                <a14:useLocalDpi xmlns:a14="http://schemas.microsoft.com/office/drawing/2010/main" val="0"/>
+              </a:ext>
+            </a:extLst>
+          </a:blip>
+          <a:srcRect/>
+          <a:stretch>
+            <a:fillRect/>
+          </a:stretch>
+        </p:blipFill>
+        <p:spPr bwMode="auto">
+          <a:xfrm>
+            <a:off x="4592320" y="3083116"/>
+            <a:ext cx="3155316" cy="964261"/>
+          </a:xfrm>
+          <a:prstGeom prst="rect">
+            <a:avLst/>
+          </a:prstGeom>
+          <a:noFill/>
+          <a:extLst>
+            <a:ext uri="{909E8E84-426E-40DD-AFC4-6F175D3DCCD1}">
+              <a14:hiddenFill xmlns:a14="http://schemas.microsoft.com/office/drawing/2010/main">
+                <a:solidFill>
+                  <a:srgbClr val="FFFFFF"/>
+                </a:solidFill>
+              </a14:hiddenFill>
+            </a:ext>
+          </a:extLst>
+        </p:spPr>
+      </p:pic>
+      <p:sp>
+        <p:nvSpPr>
+          <p:cNvPr id="11" name="TextBox 10">
+            <a:extLst>
+              <a:ext uri="{FF2B5EF4-FFF2-40B4-BE49-F238E27FC236}">
+                <a16:creationId xmlns:a16="http://schemas.microsoft.com/office/drawing/2014/main" id="{49B66EB4-D90C-421F-AA11-B94783AFE4CA}"/>
+              </a:ext>
+            </a:extLst>
+          </p:cNvPr>
+          <p:cNvSpPr txBox="1"/>
+          <p:nvPr/>
+        </p:nvSpPr>
+        <p:spPr>
+          <a:xfrm>
+            <a:off x="5748180" y="2125292"/>
+            <a:ext cx="1323179" cy="523220"/>
+          </a:xfrm>
+          <a:prstGeom prst="rect">
+            <a:avLst/>
+          </a:prstGeom>
+          <a:noFill/>
+        </p:spPr>
+        <p:txBody>
+          <a:bodyPr wrap="square" rtlCol="0">
+            <a:spAutoFit/>
+          </a:bodyPr>
+          <a:lstStyle/>
+          <a:p>
+            <a:r>
+              <a:rPr lang="ko-KR" altLang="en-US" sz="2800" dirty="0">
+                <a:latin typeface="배달의민족 주아" panose="02020603020101020101" pitchFamily="18" charset="-127"/>
+                <a:ea typeface="배달의민족 주아" panose="02020603020101020101" pitchFamily="18" charset="-127"/>
+              </a:rPr>
+              <a:t>모델링</a:t>
+            </a:r>
+          </a:p>
+        </p:txBody>
+      </p:sp>
+      <p:sp>
+        <p:nvSpPr>
+          <p:cNvPr id="12" name="TextBox 11">
+            <a:extLst>
+              <a:ext uri="{FF2B5EF4-FFF2-40B4-BE49-F238E27FC236}">
+                <a16:creationId xmlns:a16="http://schemas.microsoft.com/office/drawing/2014/main" id="{FA19748E-5DA9-4266-BBB4-D7608F8C184E}"/>
+              </a:ext>
+            </a:extLst>
+          </p:cNvPr>
+          <p:cNvSpPr txBox="1"/>
+          <p:nvPr/>
+        </p:nvSpPr>
+        <p:spPr>
+          <a:xfrm>
+            <a:off x="5123491" y="5450534"/>
+            <a:ext cx="3162300" cy="400110"/>
+          </a:xfrm>
+          <a:prstGeom prst="rect">
+            <a:avLst/>
+          </a:prstGeom>
+          <a:noFill/>
+        </p:spPr>
+        <p:txBody>
+          <a:bodyPr wrap="square" rtlCol="0">
+            <a:spAutoFit/>
+          </a:bodyPr>
+          <a:lstStyle/>
+          <a:p>
+            <a:r>
+              <a:rPr lang="en-US" altLang="ko-KR" sz="2000" dirty="0">
+                <a:latin typeface="배달의민족 주아" panose="02020603020101020101" pitchFamily="18" charset="-127"/>
+                <a:ea typeface="배달의민족 주아" panose="02020603020101020101" pitchFamily="18" charset="-127"/>
+              </a:rPr>
+              <a:t>Blender, </a:t>
+            </a:r>
+            <a:r>
+              <a:rPr lang="en-US" altLang="ko-KR" sz="2000" dirty="0" err="1">
+                <a:latin typeface="배달의민족 주아" panose="02020603020101020101" pitchFamily="18" charset="-127"/>
+                <a:ea typeface="배달의민족 주아" panose="02020603020101020101" pitchFamily="18" charset="-127"/>
+              </a:rPr>
+              <a:t>Tinkercad</a:t>
+            </a:r>
+            <a:r>
+              <a:rPr lang="ko-KR" altLang="en-US" sz="2000" dirty="0">
+                <a:latin typeface="배달의민족 주아" panose="02020603020101020101" pitchFamily="18" charset="-127"/>
+                <a:ea typeface="배달의민족 주아" panose="02020603020101020101" pitchFamily="18" charset="-127"/>
+              </a:rPr>
+              <a:t> </a:t>
+            </a:r>
+          </a:p>
+        </p:txBody>
+      </p:sp>
+      <p:pic>
+        <p:nvPicPr>
+          <p:cNvPr id="1036" name="Picture 12" descr="Tinkercad Logo Download - AI - All Vector Logo">
+            <a:extLst>
+              <a:ext uri="{FF2B5EF4-FFF2-40B4-BE49-F238E27FC236}">
+                <a16:creationId xmlns:a16="http://schemas.microsoft.com/office/drawing/2014/main" id="{5B071172-78F4-4EA4-A3D8-7AC0A8F4C783}"/>
+              </a:ext>
+            </a:extLst>
+          </p:cNvPr>
+          <p:cNvPicPr>
+            <a:picLocks noChangeAspect="1" noChangeArrowheads="1"/>
+          </p:cNvPicPr>
+          <p:nvPr/>
+        </p:nvPicPr>
+        <p:blipFill>
+          <a:blip r:embed="rId6">
+            <a:extLst>
+              <a:ext uri="{28A0092B-C50C-407E-A947-70E740481C1C}">
+                <a14:useLocalDpi xmlns:a14="http://schemas.microsoft.com/office/drawing/2010/main" val="0"/>
+              </a:ext>
+            </a:extLst>
+          </a:blip>
+          <a:srcRect/>
+          <a:stretch>
+            <a:fillRect/>
+          </a:stretch>
+        </p:blipFill>
+        <p:spPr bwMode="auto">
+          <a:xfrm>
+            <a:off x="5340847" y="4289242"/>
+            <a:ext cx="1658261" cy="901229"/>
+          </a:xfrm>
+          <a:prstGeom prst="rect">
+            <a:avLst/>
+          </a:prstGeom>
+          <a:noFill/>
+          <a:extLst>
+            <a:ext uri="{909E8E84-426E-40DD-AFC4-6F175D3DCCD1}">
+              <a14:hiddenFill xmlns:a14="http://schemas.microsoft.com/office/drawing/2010/main">
+                <a:solidFill>
+                  <a:srgbClr val="FFFFFF"/>
+                </a:solidFill>
+              </a14:hiddenFill>
+            </a:ext>
+          </a:extLst>
+        </p:spPr>
+      </p:pic>
+      <p:sp>
+        <p:nvSpPr>
+          <p:cNvPr id="16" name="TextBox 15">
+            <a:extLst>
+              <a:ext uri="{FF2B5EF4-FFF2-40B4-BE49-F238E27FC236}">
+                <a16:creationId xmlns:a16="http://schemas.microsoft.com/office/drawing/2014/main" id="{7E8F0582-F744-49E1-AD18-DB672D11A33A}"/>
+              </a:ext>
+            </a:extLst>
+          </p:cNvPr>
+          <p:cNvSpPr txBox="1"/>
+          <p:nvPr/>
+        </p:nvSpPr>
+        <p:spPr>
+          <a:xfrm>
+            <a:off x="9320750" y="2125292"/>
+            <a:ext cx="1323179" cy="523220"/>
+          </a:xfrm>
+          <a:prstGeom prst="rect">
+            <a:avLst/>
+          </a:prstGeom>
+          <a:noFill/>
+        </p:spPr>
+        <p:txBody>
+          <a:bodyPr wrap="square" rtlCol="0">
+            <a:spAutoFit/>
+          </a:bodyPr>
+          <a:lstStyle/>
+          <a:p>
+            <a:r>
+              <a:rPr lang="ko-KR" altLang="en-US" sz="2800" dirty="0">
+                <a:latin typeface="배달의민족 주아" panose="02020603020101020101" pitchFamily="18" charset="-127"/>
+                <a:ea typeface="배달의민족 주아" panose="02020603020101020101" pitchFamily="18" charset="-127"/>
+              </a:rPr>
+              <a:t>디자인</a:t>
+            </a:r>
+          </a:p>
+        </p:txBody>
+      </p:sp>
+      <p:sp>
+        <p:nvSpPr>
+          <p:cNvPr id="17" name="TextBox 16">
+            <a:extLst>
+              <a:ext uri="{FF2B5EF4-FFF2-40B4-BE49-F238E27FC236}">
+                <a16:creationId xmlns:a16="http://schemas.microsoft.com/office/drawing/2014/main" id="{749CCCFB-8D83-427F-A674-6D0D6E43A596}"/>
+              </a:ext>
+            </a:extLst>
+          </p:cNvPr>
+          <p:cNvSpPr txBox="1"/>
+          <p:nvPr/>
+        </p:nvSpPr>
+        <p:spPr>
+          <a:xfrm>
+            <a:off x="8845087" y="5450534"/>
+            <a:ext cx="3162300" cy="400110"/>
+          </a:xfrm>
+          <a:prstGeom prst="rect">
+            <a:avLst/>
+          </a:prstGeom>
+          <a:noFill/>
+        </p:spPr>
+        <p:txBody>
+          <a:bodyPr wrap="square" rtlCol="0">
+            <a:spAutoFit/>
+          </a:bodyPr>
+          <a:lstStyle/>
+          <a:p>
+            <a:r>
+              <a:rPr lang="en-US" altLang="ko-KR" sz="2000" dirty="0">
+                <a:latin typeface="배달의민족 주아" panose="02020603020101020101" pitchFamily="18" charset="-127"/>
+                <a:ea typeface="배달의민족 주아" panose="02020603020101020101" pitchFamily="18" charset="-127"/>
+              </a:rPr>
+              <a:t>Photoshop, GIMP</a:t>
+            </a:r>
+            <a:endParaRPr lang="ko-KR" altLang="en-US" sz="2000" dirty="0">
+              <a:latin typeface="배달의민족 주아" panose="02020603020101020101" pitchFamily="18" charset="-127"/>
+              <a:ea typeface="배달의민족 주아" panose="02020603020101020101" pitchFamily="18" charset="-127"/>
+            </a:endParaRPr>
+          </a:p>
+        </p:txBody>
+      </p:sp>
+      <p:pic>
+        <p:nvPicPr>
+          <p:cNvPr id="1038" name="Picture 14" descr="Photoshop apps - desktop, mobile, and tablet | Photoshop.com">
+            <a:extLst>
+              <a:ext uri="{FF2B5EF4-FFF2-40B4-BE49-F238E27FC236}">
+                <a16:creationId xmlns:a16="http://schemas.microsoft.com/office/drawing/2014/main" id="{AA02D911-6C42-4091-A586-85034445E9A7}"/>
+              </a:ext>
+            </a:extLst>
+          </p:cNvPr>
+          <p:cNvPicPr>
+            <a:picLocks noChangeAspect="1" noChangeArrowheads="1"/>
+          </p:cNvPicPr>
+          <p:nvPr/>
+        </p:nvPicPr>
+        <p:blipFill>
+          <a:blip r:embed="rId7">
+            <a:extLst>
+              <a:ext uri="{28A0092B-C50C-407E-A947-70E740481C1C}">
+                <a14:useLocalDpi xmlns:a14="http://schemas.microsoft.com/office/drawing/2010/main" val="0"/>
+              </a:ext>
+            </a:extLst>
+          </a:blip>
+          <a:srcRect/>
+          <a:stretch>
+            <a:fillRect/>
+          </a:stretch>
+        </p:blipFill>
+        <p:spPr bwMode="auto">
+          <a:xfrm>
+            <a:off x="8715119" y="3061371"/>
+            <a:ext cx="1211262" cy="1181186"/>
+          </a:xfrm>
+          <a:prstGeom prst="rect">
+            <a:avLst/>
+          </a:prstGeom>
+          <a:noFill/>
+          <a:extLst>
+            <a:ext uri="{909E8E84-426E-40DD-AFC4-6F175D3DCCD1}">
+              <a14:hiddenFill xmlns:a14="http://schemas.microsoft.com/office/drawing/2010/main">
+                <a:solidFill>
+                  <a:srgbClr val="FFFFFF"/>
+                </a:solidFill>
+              </a14:hiddenFill>
+            </a:ext>
+          </a:extLst>
+        </p:spPr>
+      </p:pic>
+      <p:pic>
+        <p:nvPicPr>
+          <p:cNvPr id="1040" name="Picture 16" descr="GIMP | GetDeb">
+            <a:extLst>
+              <a:ext uri="{FF2B5EF4-FFF2-40B4-BE49-F238E27FC236}">
+                <a16:creationId xmlns:a16="http://schemas.microsoft.com/office/drawing/2014/main" id="{DC415C34-8983-4006-B137-1130D2831F97}"/>
+              </a:ext>
+            </a:extLst>
+          </p:cNvPr>
+          <p:cNvPicPr>
+            <a:picLocks noChangeAspect="1" noChangeArrowheads="1"/>
+          </p:cNvPicPr>
+          <p:nvPr/>
+        </p:nvPicPr>
+        <p:blipFill>
+          <a:blip r:embed="rId8">
+            <a:extLst>
+              <a:ext uri="{28A0092B-C50C-407E-A947-70E740481C1C}">
+                <a14:useLocalDpi xmlns:a14="http://schemas.microsoft.com/office/drawing/2010/main" val="0"/>
+              </a:ext>
+            </a:extLst>
+          </a:blip>
+          <a:srcRect/>
+          <a:stretch>
+            <a:fillRect/>
+          </a:stretch>
+        </p:blipFill>
+        <p:spPr bwMode="auto">
+          <a:xfrm>
+            <a:off x="8845087" y="4192974"/>
+            <a:ext cx="2438400" cy="1371600"/>
+          </a:xfrm>
+          <a:prstGeom prst="rect">
+            <a:avLst/>
+          </a:prstGeom>
+          <a:noFill/>
+          <a:extLst>
+            <a:ext uri="{909E8E84-426E-40DD-AFC4-6F175D3DCCD1}">
+              <a14:hiddenFill xmlns:a14="http://schemas.microsoft.com/office/drawing/2010/main">
+                <a:solidFill>
+                  <a:srgbClr val="FFFFFF"/>
+                </a:solidFill>
+              </a14:hiddenFill>
+            </a:ext>
+          </a:extLst>
+        </p:spPr>
+      </p:pic>
     </p:spTree>
     <p:extLst>
       <p:ext uri="{BB962C8B-B14F-4D97-AF65-F5344CB8AC3E}">
@@ -8886,9 +9911,666 @@
   <p:timing>
     <p:tnLst>
       <p:par>
-        <p:cTn id="1" dur="indefinite" restart="never" nodeType="tmRoot"/>
+        <p:cTn id="1" dur="indefinite" restart="never" nodeType="tmRoot">
+          <p:childTnLst>
+            <p:seq concurrent="1" nextAc="seek">
+              <p:cTn id="2" dur="indefinite" nodeType="mainSeq">
+                <p:childTnLst>
+                  <p:par>
+                    <p:cTn id="3" fill="hold">
+                      <p:stCondLst>
+                        <p:cond delay="indefinite"/>
+                      </p:stCondLst>
+                      <p:childTnLst>
+                        <p:par>
+                          <p:cTn id="4" fill="hold">
+                            <p:stCondLst>
+                              <p:cond delay="0"/>
+                            </p:stCondLst>
+                            <p:childTnLst>
+                              <p:par>
+                                <p:cTn id="5" presetID="10" presetClass="entr" presetSubtype="0" fill="hold" grpId="0" nodeType="clickEffect">
+                                  <p:stCondLst>
+                                    <p:cond delay="0"/>
+                                  </p:stCondLst>
+                                  <p:childTnLst>
+                                    <p:set>
+                                      <p:cBhvr>
+                                        <p:cTn id="6" dur="1" fill="hold">
+                                          <p:stCondLst>
+                                            <p:cond delay="0"/>
+                                          </p:stCondLst>
+                                        </p:cTn>
+                                        <p:tgtEl>
+                                          <p:spTgt spid="4"/>
+                                        </p:tgtEl>
+                                        <p:attrNameLst>
+                                          <p:attrName>style.visibility</p:attrName>
+                                        </p:attrNameLst>
+                                      </p:cBhvr>
+                                      <p:to>
+                                        <p:strVal val="visible"/>
+                                      </p:to>
+                                    </p:set>
+                                    <p:animEffect transition="in" filter="fade">
+                                      <p:cBhvr>
+                                        <p:cTn id="7" dur="500"/>
+                                        <p:tgtEl>
+                                          <p:spTgt spid="4"/>
+                                        </p:tgtEl>
+                                      </p:cBhvr>
+                                    </p:animEffect>
+                                  </p:childTnLst>
+                                </p:cTn>
+                              </p:par>
+                            </p:childTnLst>
+                          </p:cTn>
+                        </p:par>
+                      </p:childTnLst>
+                    </p:cTn>
+                  </p:par>
+                  <p:par>
+                    <p:cTn id="8" fill="hold">
+                      <p:stCondLst>
+                        <p:cond delay="indefinite"/>
+                      </p:stCondLst>
+                      <p:childTnLst>
+                        <p:par>
+                          <p:cTn id="9" fill="hold">
+                            <p:stCondLst>
+                              <p:cond delay="0"/>
+                            </p:stCondLst>
+                            <p:childTnLst>
+                              <p:par>
+                                <p:cTn id="10" presetID="10" presetClass="entr" presetSubtype="0" fill="hold" nodeType="clickEffect">
+                                  <p:stCondLst>
+                                    <p:cond delay="0"/>
+                                  </p:stCondLst>
+                                  <p:childTnLst>
+                                    <p:set>
+                                      <p:cBhvr>
+                                        <p:cTn id="11" dur="1" fill="hold">
+                                          <p:stCondLst>
+                                            <p:cond delay="0"/>
+                                          </p:stCondLst>
+                                        </p:cTn>
+                                        <p:tgtEl>
+                                          <p:spTgt spid="1026"/>
+                                        </p:tgtEl>
+                                        <p:attrNameLst>
+                                          <p:attrName>style.visibility</p:attrName>
+                                        </p:attrNameLst>
+                                      </p:cBhvr>
+                                      <p:to>
+                                        <p:strVal val="visible"/>
+                                      </p:to>
+                                    </p:set>
+                                    <p:animEffect transition="in" filter="fade">
+                                      <p:cBhvr>
+                                        <p:cTn id="12" dur="500"/>
+                                        <p:tgtEl>
+                                          <p:spTgt spid="1026"/>
+                                        </p:tgtEl>
+                                      </p:cBhvr>
+                                    </p:animEffect>
+                                  </p:childTnLst>
+                                </p:cTn>
+                              </p:par>
+                            </p:childTnLst>
+                          </p:cTn>
+                        </p:par>
+                        <p:par>
+                          <p:cTn id="13" fill="hold">
+                            <p:stCondLst>
+                              <p:cond delay="500"/>
+                            </p:stCondLst>
+                            <p:childTnLst>
+                              <p:par>
+                                <p:cTn id="14" presetID="10" presetClass="entr" presetSubtype="0" fill="hold" nodeType="afterEffect">
+                                  <p:stCondLst>
+                                    <p:cond delay="0"/>
+                                  </p:stCondLst>
+                                  <p:childTnLst>
+                                    <p:set>
+                                      <p:cBhvr>
+                                        <p:cTn id="15" dur="1" fill="hold">
+                                          <p:stCondLst>
+                                            <p:cond delay="0"/>
+                                          </p:stCondLst>
+                                        </p:cTn>
+                                        <p:tgtEl>
+                                          <p:spTgt spid="1028"/>
+                                        </p:tgtEl>
+                                        <p:attrNameLst>
+                                          <p:attrName>style.visibility</p:attrName>
+                                        </p:attrNameLst>
+                                      </p:cBhvr>
+                                      <p:to>
+                                        <p:strVal val="visible"/>
+                                      </p:to>
+                                    </p:set>
+                                    <p:animEffect transition="in" filter="fade">
+                                      <p:cBhvr>
+                                        <p:cTn id="16" dur="500"/>
+                                        <p:tgtEl>
+                                          <p:spTgt spid="1028"/>
+                                        </p:tgtEl>
+                                      </p:cBhvr>
+                                    </p:animEffect>
+                                  </p:childTnLst>
+                                </p:cTn>
+                              </p:par>
+                            </p:childTnLst>
+                          </p:cTn>
+                        </p:par>
+                        <p:par>
+                          <p:cTn id="17" fill="hold">
+                            <p:stCondLst>
+                              <p:cond delay="1000"/>
+                            </p:stCondLst>
+                            <p:childTnLst>
+                              <p:par>
+                                <p:cTn id="18" presetID="10" presetClass="entr" presetSubtype="0" fill="hold" nodeType="afterEffect">
+                                  <p:stCondLst>
+                                    <p:cond delay="0"/>
+                                  </p:stCondLst>
+                                  <p:childTnLst>
+                                    <p:set>
+                                      <p:cBhvr>
+                                        <p:cTn id="19" dur="1" fill="hold">
+                                          <p:stCondLst>
+                                            <p:cond delay="0"/>
+                                          </p:stCondLst>
+                                        </p:cTn>
+                                        <p:tgtEl>
+                                          <p:spTgt spid="1032"/>
+                                        </p:tgtEl>
+                                        <p:attrNameLst>
+                                          <p:attrName>style.visibility</p:attrName>
+                                        </p:attrNameLst>
+                                      </p:cBhvr>
+                                      <p:to>
+                                        <p:strVal val="visible"/>
+                                      </p:to>
+                                    </p:set>
+                                    <p:animEffect transition="in" filter="fade">
+                                      <p:cBhvr>
+                                        <p:cTn id="20" dur="500"/>
+                                        <p:tgtEl>
+                                          <p:spTgt spid="1032"/>
+                                        </p:tgtEl>
+                                      </p:cBhvr>
+                                    </p:animEffect>
+                                  </p:childTnLst>
+                                </p:cTn>
+                              </p:par>
+                            </p:childTnLst>
+                          </p:cTn>
+                        </p:par>
+                        <p:par>
+                          <p:cTn id="21" fill="hold">
+                            <p:stCondLst>
+                              <p:cond delay="1500"/>
+                            </p:stCondLst>
+                            <p:childTnLst>
+                              <p:par>
+                                <p:cTn id="22" presetID="10" presetClass="entr" presetSubtype="0" fill="hold" grpId="0" nodeType="afterEffect">
+                                  <p:stCondLst>
+                                    <p:cond delay="0"/>
+                                  </p:stCondLst>
+                                  <p:childTnLst>
+                                    <p:set>
+                                      <p:cBhvr>
+                                        <p:cTn id="23" dur="1" fill="hold">
+                                          <p:stCondLst>
+                                            <p:cond delay="0"/>
+                                          </p:stCondLst>
+                                        </p:cTn>
+                                        <p:tgtEl>
+                                          <p:spTgt spid="6"/>
+                                        </p:tgtEl>
+                                        <p:attrNameLst>
+                                          <p:attrName>style.visibility</p:attrName>
+                                        </p:attrNameLst>
+                                      </p:cBhvr>
+                                      <p:to>
+                                        <p:strVal val="visible"/>
+                                      </p:to>
+                                    </p:set>
+                                    <p:animEffect transition="in" filter="fade">
+                                      <p:cBhvr>
+                                        <p:cTn id="24" dur="500"/>
+                                        <p:tgtEl>
+                                          <p:spTgt spid="6"/>
+                                        </p:tgtEl>
+                                      </p:cBhvr>
+                                    </p:animEffect>
+                                  </p:childTnLst>
+                                </p:cTn>
+                              </p:par>
+                            </p:childTnLst>
+                          </p:cTn>
+                        </p:par>
+                      </p:childTnLst>
+                    </p:cTn>
+                  </p:par>
+                  <p:par>
+                    <p:cTn id="25" fill="hold">
+                      <p:stCondLst>
+                        <p:cond delay="indefinite"/>
+                      </p:stCondLst>
+                      <p:childTnLst>
+                        <p:par>
+                          <p:cTn id="26" fill="hold">
+                            <p:stCondLst>
+                              <p:cond delay="0"/>
+                            </p:stCondLst>
+                            <p:childTnLst>
+                              <p:par>
+                                <p:cTn id="27" presetID="10" presetClass="entr" presetSubtype="0" fill="hold" grpId="0" nodeType="clickEffect">
+                                  <p:stCondLst>
+                                    <p:cond delay="0"/>
+                                  </p:stCondLst>
+                                  <p:childTnLst>
+                                    <p:set>
+                                      <p:cBhvr>
+                                        <p:cTn id="28" dur="1" fill="hold">
+                                          <p:stCondLst>
+                                            <p:cond delay="0"/>
+                                          </p:stCondLst>
+                                        </p:cTn>
+                                        <p:tgtEl>
+                                          <p:spTgt spid="11"/>
+                                        </p:tgtEl>
+                                        <p:attrNameLst>
+                                          <p:attrName>style.visibility</p:attrName>
+                                        </p:attrNameLst>
+                                      </p:cBhvr>
+                                      <p:to>
+                                        <p:strVal val="visible"/>
+                                      </p:to>
+                                    </p:set>
+                                    <p:animEffect transition="in" filter="fade">
+                                      <p:cBhvr>
+                                        <p:cTn id="29" dur="500"/>
+                                        <p:tgtEl>
+                                          <p:spTgt spid="11"/>
+                                        </p:tgtEl>
+                                      </p:cBhvr>
+                                    </p:animEffect>
+                                  </p:childTnLst>
+                                </p:cTn>
+                              </p:par>
+                            </p:childTnLst>
+                          </p:cTn>
+                        </p:par>
+                      </p:childTnLst>
+                    </p:cTn>
+                  </p:par>
+                  <p:par>
+                    <p:cTn id="30" fill="hold">
+                      <p:stCondLst>
+                        <p:cond delay="indefinite"/>
+                      </p:stCondLst>
+                      <p:childTnLst>
+                        <p:par>
+                          <p:cTn id="31" fill="hold">
+                            <p:stCondLst>
+                              <p:cond delay="0"/>
+                            </p:stCondLst>
+                            <p:childTnLst>
+                              <p:par>
+                                <p:cTn id="32" presetID="10" presetClass="entr" presetSubtype="0" fill="hold" nodeType="clickEffect">
+                                  <p:stCondLst>
+                                    <p:cond delay="0"/>
+                                  </p:stCondLst>
+                                  <p:childTnLst>
+                                    <p:set>
+                                      <p:cBhvr>
+                                        <p:cTn id="33" dur="1" fill="hold">
+                                          <p:stCondLst>
+                                            <p:cond delay="0"/>
+                                          </p:stCondLst>
+                                        </p:cTn>
+                                        <p:tgtEl>
+                                          <p:spTgt spid="1034"/>
+                                        </p:tgtEl>
+                                        <p:attrNameLst>
+                                          <p:attrName>style.visibility</p:attrName>
+                                        </p:attrNameLst>
+                                      </p:cBhvr>
+                                      <p:to>
+                                        <p:strVal val="visible"/>
+                                      </p:to>
+                                    </p:set>
+                                    <p:animEffect transition="in" filter="fade">
+                                      <p:cBhvr>
+                                        <p:cTn id="34" dur="500"/>
+                                        <p:tgtEl>
+                                          <p:spTgt spid="1034"/>
+                                        </p:tgtEl>
+                                      </p:cBhvr>
+                                    </p:animEffect>
+                                  </p:childTnLst>
+                                </p:cTn>
+                              </p:par>
+                            </p:childTnLst>
+                          </p:cTn>
+                        </p:par>
+                        <p:par>
+                          <p:cTn id="35" fill="hold">
+                            <p:stCondLst>
+                              <p:cond delay="500"/>
+                            </p:stCondLst>
+                            <p:childTnLst>
+                              <p:par>
+                                <p:cTn id="36" presetID="10" presetClass="entr" presetSubtype="0" fill="hold" nodeType="afterEffect">
+                                  <p:stCondLst>
+                                    <p:cond delay="0"/>
+                                  </p:stCondLst>
+                                  <p:childTnLst>
+                                    <p:set>
+                                      <p:cBhvr>
+                                        <p:cTn id="37" dur="1" fill="hold">
+                                          <p:stCondLst>
+                                            <p:cond delay="0"/>
+                                          </p:stCondLst>
+                                        </p:cTn>
+                                        <p:tgtEl>
+                                          <p:spTgt spid="1036"/>
+                                        </p:tgtEl>
+                                        <p:attrNameLst>
+                                          <p:attrName>style.visibility</p:attrName>
+                                        </p:attrNameLst>
+                                      </p:cBhvr>
+                                      <p:to>
+                                        <p:strVal val="visible"/>
+                                      </p:to>
+                                    </p:set>
+                                    <p:animEffect transition="in" filter="fade">
+                                      <p:cBhvr>
+                                        <p:cTn id="38" dur="500"/>
+                                        <p:tgtEl>
+                                          <p:spTgt spid="1036"/>
+                                        </p:tgtEl>
+                                      </p:cBhvr>
+                                    </p:animEffect>
+                                  </p:childTnLst>
+                                </p:cTn>
+                              </p:par>
+                            </p:childTnLst>
+                          </p:cTn>
+                        </p:par>
+                        <p:par>
+                          <p:cTn id="39" fill="hold">
+                            <p:stCondLst>
+                              <p:cond delay="1000"/>
+                            </p:stCondLst>
+                            <p:childTnLst>
+                              <p:par>
+                                <p:cTn id="40" presetID="10" presetClass="entr" presetSubtype="0" fill="hold" grpId="0" nodeType="afterEffect">
+                                  <p:stCondLst>
+                                    <p:cond delay="0"/>
+                                  </p:stCondLst>
+                                  <p:childTnLst>
+                                    <p:set>
+                                      <p:cBhvr>
+                                        <p:cTn id="41" dur="1" fill="hold">
+                                          <p:stCondLst>
+                                            <p:cond delay="0"/>
+                                          </p:stCondLst>
+                                        </p:cTn>
+                                        <p:tgtEl>
+                                          <p:spTgt spid="12"/>
+                                        </p:tgtEl>
+                                        <p:attrNameLst>
+                                          <p:attrName>style.visibility</p:attrName>
+                                        </p:attrNameLst>
+                                      </p:cBhvr>
+                                      <p:to>
+                                        <p:strVal val="visible"/>
+                                      </p:to>
+                                    </p:set>
+                                    <p:animEffect transition="in" filter="fade">
+                                      <p:cBhvr>
+                                        <p:cTn id="42" dur="500"/>
+                                        <p:tgtEl>
+                                          <p:spTgt spid="12"/>
+                                        </p:tgtEl>
+                                      </p:cBhvr>
+                                    </p:animEffect>
+                                  </p:childTnLst>
+                                </p:cTn>
+                              </p:par>
+                            </p:childTnLst>
+                          </p:cTn>
+                        </p:par>
+                      </p:childTnLst>
+                    </p:cTn>
+                  </p:par>
+                  <p:par>
+                    <p:cTn id="43" fill="hold">
+                      <p:stCondLst>
+                        <p:cond delay="indefinite"/>
+                      </p:stCondLst>
+                      <p:childTnLst>
+                        <p:par>
+                          <p:cTn id="44" fill="hold">
+                            <p:stCondLst>
+                              <p:cond delay="0"/>
+                            </p:stCondLst>
+                            <p:childTnLst>
+                              <p:par>
+                                <p:cTn id="45" presetID="10" presetClass="entr" presetSubtype="0" fill="hold" grpId="0" nodeType="clickEffect">
+                                  <p:stCondLst>
+                                    <p:cond delay="0"/>
+                                  </p:stCondLst>
+                                  <p:childTnLst>
+                                    <p:set>
+                                      <p:cBhvr>
+                                        <p:cTn id="46" dur="1" fill="hold">
+                                          <p:stCondLst>
+                                            <p:cond delay="0"/>
+                                          </p:stCondLst>
+                                        </p:cTn>
+                                        <p:tgtEl>
+                                          <p:spTgt spid="16"/>
+                                        </p:tgtEl>
+                                        <p:attrNameLst>
+                                          <p:attrName>style.visibility</p:attrName>
+                                        </p:attrNameLst>
+                                      </p:cBhvr>
+                                      <p:to>
+                                        <p:strVal val="visible"/>
+                                      </p:to>
+                                    </p:set>
+                                    <p:animEffect transition="in" filter="fade">
+                                      <p:cBhvr>
+                                        <p:cTn id="47" dur="500"/>
+                                        <p:tgtEl>
+                                          <p:spTgt spid="16"/>
+                                        </p:tgtEl>
+                                      </p:cBhvr>
+                                    </p:animEffect>
+                                  </p:childTnLst>
+                                </p:cTn>
+                              </p:par>
+                            </p:childTnLst>
+                          </p:cTn>
+                        </p:par>
+                      </p:childTnLst>
+                    </p:cTn>
+                  </p:par>
+                  <p:par>
+                    <p:cTn id="48" fill="hold">
+                      <p:stCondLst>
+                        <p:cond delay="indefinite"/>
+                      </p:stCondLst>
+                      <p:childTnLst>
+                        <p:par>
+                          <p:cTn id="49" fill="hold">
+                            <p:stCondLst>
+                              <p:cond delay="0"/>
+                            </p:stCondLst>
+                            <p:childTnLst>
+                              <p:par>
+                                <p:cTn id="50" presetID="10" presetClass="entr" presetSubtype="0" fill="hold" nodeType="clickEffect">
+                                  <p:stCondLst>
+                                    <p:cond delay="0"/>
+                                  </p:stCondLst>
+                                  <p:childTnLst>
+                                    <p:set>
+                                      <p:cBhvr>
+                                        <p:cTn id="51" dur="1" fill="hold">
+                                          <p:stCondLst>
+                                            <p:cond delay="0"/>
+                                          </p:stCondLst>
+                                        </p:cTn>
+                                        <p:tgtEl>
+                                          <p:spTgt spid="1038"/>
+                                        </p:tgtEl>
+                                        <p:attrNameLst>
+                                          <p:attrName>style.visibility</p:attrName>
+                                        </p:attrNameLst>
+                                      </p:cBhvr>
+                                      <p:to>
+                                        <p:strVal val="visible"/>
+                                      </p:to>
+                                    </p:set>
+                                    <p:animEffect transition="in" filter="fade">
+                                      <p:cBhvr>
+                                        <p:cTn id="52" dur="500"/>
+                                        <p:tgtEl>
+                                          <p:spTgt spid="1038"/>
+                                        </p:tgtEl>
+                                      </p:cBhvr>
+                                    </p:animEffect>
+                                  </p:childTnLst>
+                                </p:cTn>
+                              </p:par>
+                            </p:childTnLst>
+                          </p:cTn>
+                        </p:par>
+                        <p:par>
+                          <p:cTn id="53" fill="hold">
+                            <p:stCondLst>
+                              <p:cond delay="500"/>
+                            </p:stCondLst>
+                            <p:childTnLst>
+                              <p:par>
+                                <p:cTn id="54" presetID="10" presetClass="entr" presetSubtype="0" fill="hold" nodeType="afterEffect">
+                                  <p:stCondLst>
+                                    <p:cond delay="0"/>
+                                  </p:stCondLst>
+                                  <p:childTnLst>
+                                    <p:set>
+                                      <p:cBhvr>
+                                        <p:cTn id="55" dur="1" fill="hold">
+                                          <p:stCondLst>
+                                            <p:cond delay="0"/>
+                                          </p:stCondLst>
+                                        </p:cTn>
+                                        <p:tgtEl>
+                                          <p:spTgt spid="1040"/>
+                                        </p:tgtEl>
+                                        <p:attrNameLst>
+                                          <p:attrName>style.visibility</p:attrName>
+                                        </p:attrNameLst>
+                                      </p:cBhvr>
+                                      <p:to>
+                                        <p:strVal val="visible"/>
+                                      </p:to>
+                                    </p:set>
+                                    <p:animEffect transition="in" filter="fade">
+                                      <p:cBhvr>
+                                        <p:cTn id="56" dur="500"/>
+                                        <p:tgtEl>
+                                          <p:spTgt spid="1040"/>
+                                        </p:tgtEl>
+                                      </p:cBhvr>
+                                    </p:animEffect>
+                                  </p:childTnLst>
+                                </p:cTn>
+                              </p:par>
+                            </p:childTnLst>
+                          </p:cTn>
+                        </p:par>
+                        <p:par>
+                          <p:cTn id="57" fill="hold">
+                            <p:stCondLst>
+                              <p:cond delay="1000"/>
+                            </p:stCondLst>
+                            <p:childTnLst>
+                              <p:par>
+                                <p:cTn id="58" presetID="10" presetClass="entr" presetSubtype="0" fill="hold" grpId="0" nodeType="afterEffect">
+                                  <p:stCondLst>
+                                    <p:cond delay="0"/>
+                                  </p:stCondLst>
+                                  <p:childTnLst>
+                                    <p:set>
+                                      <p:cBhvr>
+                                        <p:cTn id="59" dur="1" fill="hold">
+                                          <p:stCondLst>
+                                            <p:cond delay="0"/>
+                                          </p:stCondLst>
+                                        </p:cTn>
+                                        <p:tgtEl>
+                                          <p:spTgt spid="17"/>
+                                        </p:tgtEl>
+                                        <p:attrNameLst>
+                                          <p:attrName>style.visibility</p:attrName>
+                                        </p:attrNameLst>
+                                      </p:cBhvr>
+                                      <p:to>
+                                        <p:strVal val="visible"/>
+                                      </p:to>
+                                    </p:set>
+                                    <p:animEffect transition="in" filter="fade">
+                                      <p:cBhvr>
+                                        <p:cTn id="60" dur="500"/>
+                                        <p:tgtEl>
+                                          <p:spTgt spid="17"/>
+                                        </p:tgtEl>
+                                      </p:cBhvr>
+                                    </p:animEffect>
+                                  </p:childTnLst>
+                                </p:cTn>
+                              </p:par>
+                            </p:childTnLst>
+                          </p:cTn>
+                        </p:par>
+                      </p:childTnLst>
+                    </p:cTn>
+                  </p:par>
+                </p:childTnLst>
+              </p:cTn>
+              <p:prevCondLst>
+                <p:cond evt="onPrev" delay="0">
+                  <p:tgtEl>
+                    <p:sldTgt/>
+                  </p:tgtEl>
+                </p:cond>
+              </p:prevCondLst>
+              <p:nextCondLst>
+                <p:cond evt="onNext" delay="0">
+                  <p:tgtEl>
+                    <p:sldTgt/>
+                  </p:tgtEl>
+                </p:cond>
+              </p:nextCondLst>
+            </p:seq>
+          </p:childTnLst>
+        </p:cTn>
       </p:par>
     </p:tnLst>
+    <p:bldLst>
+      <p:bldP spid="4" grpId="0"/>
+      <p:bldP spid="6" grpId="0"/>
+      <p:bldP spid="11" grpId="0"/>
+      <p:bldP spid="12" grpId="0"/>
+      <p:bldP spid="16" grpId="0"/>
+      <p:bldP spid="17" grpId="0"/>
+    </p:bldLst>
   </p:timing>
 </p:sld>
 </file>
@@ -8926,7 +10608,76 @@
           <a:lstStyle/>
           <a:p>
             <a:r>
-              <a:rPr lang="ko-KR" altLang="en-US" dirty="0" err="1" smtClean="0"/>
+              <a:rPr lang="ko-KR" altLang="en-US" dirty="0">
+                <a:latin typeface="배달의민족 주아" panose="02020603020101020101" pitchFamily="18" charset="-127"/>
+                <a:ea typeface="배달의민족 주아" panose="02020603020101020101" pitchFamily="18" charset="-127"/>
+              </a:rPr>
+              <a:t>기대효과</a:t>
+            </a:r>
+            <a:r>
+              <a:rPr lang="en-US" altLang="ko-KR" dirty="0">
+                <a:latin typeface="배달의민족 주아" panose="02020603020101020101" pitchFamily="18" charset="-127"/>
+                <a:ea typeface="배달의민족 주아" panose="02020603020101020101" pitchFamily="18" charset="-127"/>
+              </a:rPr>
+              <a:t>, </a:t>
+            </a:r>
+            <a:r>
+              <a:rPr lang="ko-KR" altLang="en-US" dirty="0">
+                <a:latin typeface="배달의민족 주아" panose="02020603020101020101" pitchFamily="18" charset="-127"/>
+                <a:ea typeface="배달의민족 주아" panose="02020603020101020101" pitchFamily="18" charset="-127"/>
+              </a:rPr>
+              <a:t>보완 할 점</a:t>
+            </a:r>
+          </a:p>
+        </p:txBody>
+      </p:sp>
+    </p:spTree>
+    <p:extLst>
+      <p:ext uri="{BB962C8B-B14F-4D97-AF65-F5344CB8AC3E}">
+        <p14:creationId xmlns:p14="http://schemas.microsoft.com/office/powerpoint/2010/main" val="745687690"/>
+      </p:ext>
+    </p:extLst>
+  </p:cSld>
+  <p:clrMapOvr>
+    <a:masterClrMapping/>
+  </p:clrMapOvr>
+</p:sld>
+</file>
+
+<file path=ppt/slides/slide7.xml><?xml version="1.0" encoding="utf-8"?>
+<p:sld xmlns:a="http://schemas.openxmlformats.org/drawingml/2006/main" xmlns:r="http://schemas.openxmlformats.org/officeDocument/2006/relationships" xmlns:p="http://schemas.openxmlformats.org/presentationml/2006/main">
+  <p:cSld>
+    <p:spTree>
+      <p:nvGrpSpPr>
+        <p:cNvPr id="1" name=""/>
+        <p:cNvGrpSpPr/>
+        <p:nvPr/>
+      </p:nvGrpSpPr>
+      <p:grpSpPr>
+        <a:xfrm>
+          <a:off x="0" y="0"/>
+          <a:ext cx="0" cy="0"/>
+          <a:chOff x="0" y="0"/>
+          <a:chExt cx="0" cy="0"/>
+        </a:xfrm>
+      </p:grpSpPr>
+      <p:sp>
+        <p:nvSpPr>
+          <p:cNvPr id="2" name="제목 1"/>
+          <p:cNvSpPr>
+            <a:spLocks noGrp="1"/>
+          </p:cNvSpPr>
+          <p:nvPr>
+            <p:ph type="title"/>
+          </p:nvPr>
+        </p:nvSpPr>
+        <p:spPr/>
+        <p:txBody>
+          <a:bodyPr/>
+          <a:lstStyle/>
+          <a:p>
+            <a:r>
+              <a:rPr lang="ko-KR" altLang="en-US" dirty="0" err="1"/>
               <a:t>시연영상</a:t>
             </a:r>
             <a:endParaRPr lang="ko-KR" altLang="en-US" dirty="0"/>
@@ -8943,13 +10694,6 @@
   <p:clrMapOvr>
     <a:masterClrMapping/>
   </p:clrMapOvr>
-  <p:timing>
-    <p:tnLst>
-      <p:par>
-        <p:cTn id="1" dur="indefinite" restart="never" nodeType="tmRoot"/>
-      </p:par>
-    </p:tnLst>
-  </p:timing>
 </p:sld>
 </file>
 

--- a/기획/코드어드벤쳐 ppt.pptx
+++ b/기획/코드어드벤쳐 ppt.pptx
@@ -10631,6 +10631,152 @@
           </a:p>
         </p:txBody>
       </p:sp>
+      <p:sp>
+        <p:nvSpPr>
+          <p:cNvPr id="3" name="TextBox 2">
+            <a:extLst>
+              <a:ext uri="{FF2B5EF4-FFF2-40B4-BE49-F238E27FC236}">
+                <a16:creationId xmlns:a16="http://schemas.microsoft.com/office/drawing/2014/main" id="{2953F42B-5438-4BF5-8CE0-EBDB5FF252CF}"/>
+              </a:ext>
+            </a:extLst>
+          </p:cNvPr>
+          <p:cNvSpPr txBox="1"/>
+          <p:nvPr/>
+        </p:nvSpPr>
+        <p:spPr>
+          <a:xfrm>
+            <a:off x="1219200" y="1704976"/>
+            <a:ext cx="9239250" cy="3693319"/>
+          </a:xfrm>
+          <a:prstGeom prst="rect">
+            <a:avLst/>
+          </a:prstGeom>
+          <a:noFill/>
+        </p:spPr>
+        <p:txBody>
+          <a:bodyPr wrap="square" rtlCol="0">
+            <a:spAutoFit/>
+          </a:bodyPr>
+          <a:lstStyle/>
+          <a:p>
+            <a:r>
+              <a:rPr lang="ko-KR" altLang="en-US" sz="3000" dirty="0">
+                <a:latin typeface="배달의민족 주아" panose="02020603020101020101" pitchFamily="18" charset="-127"/>
+                <a:ea typeface="배달의민족 주아" panose="02020603020101020101" pitchFamily="18" charset="-127"/>
+              </a:rPr>
+              <a:t>기대효과</a:t>
+            </a:r>
+            <a:endParaRPr lang="en-US" altLang="ko-KR" sz="3000" dirty="0">
+              <a:latin typeface="배달의민족 주아" panose="02020603020101020101" pitchFamily="18" charset="-127"/>
+              <a:ea typeface="배달의민족 주아" panose="02020603020101020101" pitchFamily="18" charset="-127"/>
+            </a:endParaRPr>
+          </a:p>
+          <a:p>
+            <a:pPr marL="285750" indent="-285750">
+              <a:buFont typeface="Arial" panose="020B0604020202020204" pitchFamily="34" charset="0"/>
+              <a:buChar char="•"/>
+            </a:pPr>
+            <a:r>
+              <a:rPr lang="ko-KR" altLang="en-US" sz="2400" dirty="0">
+                <a:latin typeface="배달의민족 주아" panose="02020603020101020101" pitchFamily="18" charset="-127"/>
+                <a:ea typeface="배달의민족 주아" panose="02020603020101020101" pitchFamily="18" charset="-127"/>
+              </a:rPr>
+              <a:t>코딩을 모르는 일반인들이 이 게임을 하였을 때 코딩에 대해 더 쉽게 배울 수 있다</a:t>
+            </a:r>
+            <a:endParaRPr lang="en-US" altLang="ko-KR" sz="2400" dirty="0">
+              <a:latin typeface="배달의민족 주아" panose="02020603020101020101" pitchFamily="18" charset="-127"/>
+              <a:ea typeface="배달의민족 주아" panose="02020603020101020101" pitchFamily="18" charset="-127"/>
+            </a:endParaRPr>
+          </a:p>
+          <a:p>
+            <a:pPr marL="285750" indent="-285750">
+              <a:buFont typeface="Arial" panose="020B0604020202020204" pitchFamily="34" charset="0"/>
+              <a:buChar char="•"/>
+            </a:pPr>
+            <a:r>
+              <a:rPr lang="ko-KR" altLang="en-US" sz="2400" dirty="0">
+                <a:latin typeface="배달의민족 주아" panose="02020603020101020101" pitchFamily="18" charset="-127"/>
+                <a:ea typeface="배달의민족 주아" panose="02020603020101020101" pitchFamily="18" charset="-127"/>
+              </a:rPr>
+              <a:t>코딩을 배우고 싶은 초보자들이 기본기를 잡을 수 있다</a:t>
+            </a:r>
+            <a:endParaRPr lang="en-US" altLang="ko-KR" sz="2400" dirty="0">
+              <a:latin typeface="배달의민족 주아" panose="02020603020101020101" pitchFamily="18" charset="-127"/>
+              <a:ea typeface="배달의민족 주아" panose="02020603020101020101" pitchFamily="18" charset="-127"/>
+            </a:endParaRPr>
+          </a:p>
+          <a:p>
+            <a:endParaRPr lang="en-US" altLang="ko-KR" sz="3000" dirty="0">
+              <a:latin typeface="배달의민족 주아" panose="02020603020101020101" pitchFamily="18" charset="-127"/>
+              <a:ea typeface="배달의민족 주아" panose="02020603020101020101" pitchFamily="18" charset="-127"/>
+            </a:endParaRPr>
+          </a:p>
+          <a:p>
+            <a:r>
+              <a:rPr lang="ko-KR" altLang="en-US" sz="3000" dirty="0">
+                <a:latin typeface="배달의민족 주아" panose="02020603020101020101" pitchFamily="18" charset="-127"/>
+                <a:ea typeface="배달의민족 주아" panose="02020603020101020101" pitchFamily="18" charset="-127"/>
+              </a:rPr>
+              <a:t>보완 할 점</a:t>
+            </a:r>
+            <a:endParaRPr lang="en-US" altLang="ko-KR" sz="3000" dirty="0">
+              <a:latin typeface="배달의민족 주아" panose="02020603020101020101" pitchFamily="18" charset="-127"/>
+              <a:ea typeface="배달의민족 주아" panose="02020603020101020101" pitchFamily="18" charset="-127"/>
+            </a:endParaRPr>
+          </a:p>
+          <a:p>
+            <a:pPr marL="285750" indent="-285750">
+              <a:buFont typeface="Arial" panose="020B0604020202020204" pitchFamily="34" charset="0"/>
+              <a:buChar char="•"/>
+            </a:pPr>
+            <a:r>
+              <a:rPr lang="ko-KR" altLang="en-US" sz="2400" dirty="0">
+                <a:latin typeface="배달의민족 주아" panose="02020603020101020101" pitchFamily="18" charset="-127"/>
+                <a:ea typeface="배달의민족 주아" panose="02020603020101020101" pitchFamily="18" charset="-127"/>
+              </a:rPr>
+              <a:t>아직 모바일용 개발이 덜 끝났다</a:t>
+            </a:r>
+            <a:endParaRPr lang="en-US" altLang="ko-KR" sz="2400" dirty="0">
+              <a:latin typeface="배달의민족 주아" panose="02020603020101020101" pitchFamily="18" charset="-127"/>
+              <a:ea typeface="배달의민족 주아" panose="02020603020101020101" pitchFamily="18" charset="-127"/>
+            </a:endParaRPr>
+          </a:p>
+          <a:p>
+            <a:pPr marL="285750" indent="-285750">
+              <a:buFont typeface="Arial" panose="020B0604020202020204" pitchFamily="34" charset="0"/>
+              <a:buChar char="•"/>
+            </a:pPr>
+            <a:r>
+              <a:rPr lang="ko-KR" altLang="en-US" sz="2400" dirty="0">
+                <a:latin typeface="배달의민족 주아" panose="02020603020101020101" pitchFamily="18" charset="-127"/>
+                <a:ea typeface="배달의민족 주아" panose="02020603020101020101" pitchFamily="18" charset="-127"/>
+              </a:rPr>
+              <a:t>맵 퀄리티를 보완해야 된다</a:t>
+            </a:r>
+            <a:endParaRPr lang="en-US" altLang="ko-KR" sz="2400" dirty="0">
+              <a:latin typeface="배달의민족 주아" panose="02020603020101020101" pitchFamily="18" charset="-127"/>
+              <a:ea typeface="배달의민족 주아" panose="02020603020101020101" pitchFamily="18" charset="-127"/>
+            </a:endParaRPr>
+          </a:p>
+          <a:p>
+            <a:pPr marL="285750" indent="-285750">
+              <a:buFont typeface="Arial" panose="020B0604020202020204" pitchFamily="34" charset="0"/>
+              <a:buChar char="•"/>
+            </a:pPr>
+            <a:r>
+              <a:rPr lang="ko-KR" altLang="en-US" sz="2400" dirty="0">
+                <a:latin typeface="배달의민족 주아" panose="02020603020101020101" pitchFamily="18" charset="-127"/>
+                <a:ea typeface="배달의민족 주아" panose="02020603020101020101" pitchFamily="18" charset="-127"/>
+              </a:rPr>
+              <a:t>맵 종류를 추가해줘야 한다</a:t>
+            </a:r>
+            <a:endParaRPr lang="en-US" altLang="ko-KR" sz="2400" dirty="0">
+              <a:latin typeface="배달의민족 주아" panose="02020603020101020101" pitchFamily="18" charset="-127"/>
+              <a:ea typeface="배달의민족 주아" panose="02020603020101020101" pitchFamily="18" charset="-127"/>
+            </a:endParaRPr>
+          </a:p>
+        </p:txBody>
+      </p:sp>
     </p:spTree>
     <p:extLst>
       <p:ext uri="{BB962C8B-B14F-4D97-AF65-F5344CB8AC3E}">
@@ -10641,6 +10787,436 @@
   <p:clrMapOvr>
     <a:masterClrMapping/>
   </p:clrMapOvr>
+  <p:timing>
+    <p:tnLst>
+      <p:par>
+        <p:cTn id="1" dur="indefinite" restart="never" nodeType="tmRoot">
+          <p:childTnLst>
+            <p:seq concurrent="1" nextAc="seek">
+              <p:cTn id="2" dur="indefinite" nodeType="mainSeq">
+                <p:childTnLst>
+                  <p:par>
+                    <p:cTn id="3" fill="hold">
+                      <p:stCondLst>
+                        <p:cond delay="indefinite"/>
+                      </p:stCondLst>
+                      <p:childTnLst>
+                        <p:par>
+                          <p:cTn id="4" fill="hold">
+                            <p:stCondLst>
+                              <p:cond delay="0"/>
+                            </p:stCondLst>
+                            <p:childTnLst>
+                              <p:par>
+                                <p:cTn id="5" presetID="10" presetClass="entr" presetSubtype="0" fill="hold" nodeType="clickEffect">
+                                  <p:stCondLst>
+                                    <p:cond delay="0"/>
+                                  </p:stCondLst>
+                                  <p:childTnLst>
+                                    <p:set>
+                                      <p:cBhvr>
+                                        <p:cTn id="6" dur="1" fill="hold">
+                                          <p:stCondLst>
+                                            <p:cond delay="0"/>
+                                          </p:stCondLst>
+                                        </p:cTn>
+                                        <p:tgtEl>
+                                          <p:spTgt spid="3">
+                                            <p:txEl>
+                                              <p:pRg st="0" end="0"/>
+                                            </p:txEl>
+                                          </p:spTgt>
+                                        </p:tgtEl>
+                                        <p:attrNameLst>
+                                          <p:attrName>style.visibility</p:attrName>
+                                        </p:attrNameLst>
+                                      </p:cBhvr>
+                                      <p:to>
+                                        <p:strVal val="visible"/>
+                                      </p:to>
+                                    </p:set>
+                                    <p:animEffect transition="in" filter="fade">
+                                      <p:cBhvr>
+                                        <p:cTn id="7" dur="500"/>
+                                        <p:tgtEl>
+                                          <p:spTgt spid="3">
+                                            <p:txEl>
+                                              <p:pRg st="0" end="0"/>
+                                            </p:txEl>
+                                          </p:spTgt>
+                                        </p:tgtEl>
+                                      </p:cBhvr>
+                                    </p:animEffect>
+                                  </p:childTnLst>
+                                </p:cTn>
+                              </p:par>
+                            </p:childTnLst>
+                          </p:cTn>
+                        </p:par>
+                      </p:childTnLst>
+                    </p:cTn>
+                  </p:par>
+                  <p:par>
+                    <p:cTn id="8" fill="hold">
+                      <p:stCondLst>
+                        <p:cond delay="indefinite"/>
+                      </p:stCondLst>
+                      <p:childTnLst>
+                        <p:par>
+                          <p:cTn id="9" fill="hold">
+                            <p:stCondLst>
+                              <p:cond delay="0"/>
+                            </p:stCondLst>
+                            <p:childTnLst>
+                              <p:par>
+                                <p:cTn id="10" presetID="10" presetClass="entr" presetSubtype="0" fill="hold" nodeType="clickEffect">
+                                  <p:stCondLst>
+                                    <p:cond delay="0"/>
+                                  </p:stCondLst>
+                                  <p:childTnLst>
+                                    <p:set>
+                                      <p:cBhvr>
+                                        <p:cTn id="11" dur="1" fill="hold">
+                                          <p:stCondLst>
+                                            <p:cond delay="0"/>
+                                          </p:stCondLst>
+                                        </p:cTn>
+                                        <p:tgtEl>
+                                          <p:spTgt spid="3">
+                                            <p:txEl>
+                                              <p:pRg st="1" end="1"/>
+                                            </p:txEl>
+                                          </p:spTgt>
+                                        </p:tgtEl>
+                                        <p:attrNameLst>
+                                          <p:attrName>style.visibility</p:attrName>
+                                        </p:attrNameLst>
+                                      </p:cBhvr>
+                                      <p:to>
+                                        <p:strVal val="visible"/>
+                                      </p:to>
+                                    </p:set>
+                                    <p:animEffect transition="in" filter="fade">
+                                      <p:cBhvr>
+                                        <p:cTn id="12" dur="500"/>
+                                        <p:tgtEl>
+                                          <p:spTgt spid="3">
+                                            <p:txEl>
+                                              <p:pRg st="1" end="1"/>
+                                            </p:txEl>
+                                          </p:spTgt>
+                                        </p:tgtEl>
+                                      </p:cBhvr>
+                                    </p:animEffect>
+                                  </p:childTnLst>
+                                </p:cTn>
+                              </p:par>
+                            </p:childTnLst>
+                          </p:cTn>
+                        </p:par>
+                        <p:par>
+                          <p:cTn id="13" fill="hold">
+                            <p:stCondLst>
+                              <p:cond delay="500"/>
+                            </p:stCondLst>
+                            <p:childTnLst>
+                              <p:par>
+                                <p:cTn id="14" presetID="10" presetClass="entr" presetSubtype="0" fill="hold" nodeType="afterEffect">
+                                  <p:stCondLst>
+                                    <p:cond delay="0"/>
+                                  </p:stCondLst>
+                                  <p:childTnLst>
+                                    <p:set>
+                                      <p:cBhvr>
+                                        <p:cTn id="15" dur="1" fill="hold">
+                                          <p:stCondLst>
+                                            <p:cond delay="0"/>
+                                          </p:stCondLst>
+                                        </p:cTn>
+                                        <p:tgtEl>
+                                          <p:spTgt spid="3">
+                                            <p:txEl>
+                                              <p:pRg st="2" end="2"/>
+                                            </p:txEl>
+                                          </p:spTgt>
+                                        </p:tgtEl>
+                                        <p:attrNameLst>
+                                          <p:attrName>style.visibility</p:attrName>
+                                        </p:attrNameLst>
+                                      </p:cBhvr>
+                                      <p:to>
+                                        <p:strVal val="visible"/>
+                                      </p:to>
+                                    </p:set>
+                                    <p:animEffect transition="in" filter="fade">
+                                      <p:cBhvr>
+                                        <p:cTn id="16" dur="500"/>
+                                        <p:tgtEl>
+                                          <p:spTgt spid="3">
+                                            <p:txEl>
+                                              <p:pRg st="2" end="2"/>
+                                            </p:txEl>
+                                          </p:spTgt>
+                                        </p:tgtEl>
+                                      </p:cBhvr>
+                                    </p:animEffect>
+                                  </p:childTnLst>
+                                </p:cTn>
+                              </p:par>
+                            </p:childTnLst>
+                          </p:cTn>
+                        </p:par>
+                      </p:childTnLst>
+                    </p:cTn>
+                  </p:par>
+                  <p:par>
+                    <p:cTn id="17" fill="hold">
+                      <p:stCondLst>
+                        <p:cond delay="indefinite"/>
+                      </p:stCondLst>
+                      <p:childTnLst>
+                        <p:par>
+                          <p:cTn id="18" fill="hold">
+                            <p:stCondLst>
+                              <p:cond delay="0"/>
+                            </p:stCondLst>
+                            <p:childTnLst>
+                              <p:par>
+                                <p:cTn id="19" presetID="10" presetClass="entr" presetSubtype="0" fill="hold" nodeType="clickEffect">
+                                  <p:stCondLst>
+                                    <p:cond delay="0"/>
+                                  </p:stCondLst>
+                                  <p:childTnLst>
+                                    <p:set>
+                                      <p:cBhvr>
+                                        <p:cTn id="20" dur="1" fill="hold">
+                                          <p:stCondLst>
+                                            <p:cond delay="0"/>
+                                          </p:stCondLst>
+                                        </p:cTn>
+                                        <p:tgtEl>
+                                          <p:spTgt spid="3">
+                                            <p:txEl>
+                                              <p:pRg st="4" end="4"/>
+                                            </p:txEl>
+                                          </p:spTgt>
+                                        </p:tgtEl>
+                                        <p:attrNameLst>
+                                          <p:attrName>style.visibility</p:attrName>
+                                        </p:attrNameLst>
+                                      </p:cBhvr>
+                                      <p:to>
+                                        <p:strVal val="visible"/>
+                                      </p:to>
+                                    </p:set>
+                                    <p:animEffect transition="in" filter="fade">
+                                      <p:cBhvr>
+                                        <p:cTn id="21" dur="500"/>
+                                        <p:tgtEl>
+                                          <p:spTgt spid="3">
+                                            <p:txEl>
+                                              <p:pRg st="4" end="4"/>
+                                            </p:txEl>
+                                          </p:spTgt>
+                                        </p:tgtEl>
+                                      </p:cBhvr>
+                                    </p:animEffect>
+                                  </p:childTnLst>
+                                </p:cTn>
+                              </p:par>
+                            </p:childTnLst>
+                          </p:cTn>
+                        </p:par>
+                      </p:childTnLst>
+                    </p:cTn>
+                  </p:par>
+                  <p:par>
+                    <p:cTn id="22" fill="hold">
+                      <p:stCondLst>
+                        <p:cond delay="indefinite"/>
+                      </p:stCondLst>
+                      <p:childTnLst>
+                        <p:par>
+                          <p:cTn id="23" fill="hold">
+                            <p:stCondLst>
+                              <p:cond delay="0"/>
+                            </p:stCondLst>
+                            <p:childTnLst>
+                              <p:par>
+                                <p:cTn id="24" presetID="10" presetClass="entr" presetSubtype="0" fill="hold" nodeType="clickEffect">
+                                  <p:stCondLst>
+                                    <p:cond delay="0"/>
+                                  </p:stCondLst>
+                                  <p:childTnLst>
+                                    <p:set>
+                                      <p:cBhvr>
+                                        <p:cTn id="25" dur="1" fill="hold">
+                                          <p:stCondLst>
+                                            <p:cond delay="0"/>
+                                          </p:stCondLst>
+                                        </p:cTn>
+                                        <p:tgtEl>
+                                          <p:spTgt spid="3">
+                                            <p:txEl>
+                                              <p:pRg st="5" end="5"/>
+                                            </p:txEl>
+                                          </p:spTgt>
+                                        </p:tgtEl>
+                                        <p:attrNameLst>
+                                          <p:attrName>style.visibility</p:attrName>
+                                        </p:attrNameLst>
+                                      </p:cBhvr>
+                                      <p:to>
+                                        <p:strVal val="visible"/>
+                                      </p:to>
+                                    </p:set>
+                                    <p:animEffect transition="in" filter="fade">
+                                      <p:cBhvr>
+                                        <p:cTn id="26" dur="500"/>
+                                        <p:tgtEl>
+                                          <p:spTgt spid="3">
+                                            <p:txEl>
+                                              <p:pRg st="5" end="5"/>
+                                            </p:txEl>
+                                          </p:spTgt>
+                                        </p:tgtEl>
+                                      </p:cBhvr>
+                                    </p:animEffect>
+                                  </p:childTnLst>
+                                </p:cTn>
+                              </p:par>
+                            </p:childTnLst>
+                          </p:cTn>
+                        </p:par>
+                        <p:par>
+                          <p:cTn id="27" fill="hold">
+                            <p:stCondLst>
+                              <p:cond delay="500"/>
+                            </p:stCondLst>
+                            <p:childTnLst>
+                              <p:par>
+                                <p:cTn id="28" presetID="10" presetClass="entr" presetSubtype="0" fill="hold" nodeType="afterEffect">
+                                  <p:stCondLst>
+                                    <p:cond delay="0"/>
+                                  </p:stCondLst>
+                                  <p:childTnLst>
+                                    <p:set>
+                                      <p:cBhvr>
+                                        <p:cTn id="29" dur="1" fill="hold">
+                                          <p:stCondLst>
+                                            <p:cond delay="0"/>
+                                          </p:stCondLst>
+                                        </p:cTn>
+                                        <p:tgtEl>
+                                          <p:spTgt spid="3">
+                                            <p:txEl>
+                                              <p:pRg st="6" end="6"/>
+                                            </p:txEl>
+                                          </p:spTgt>
+                                        </p:tgtEl>
+                                        <p:attrNameLst>
+                                          <p:attrName>style.visibility</p:attrName>
+                                        </p:attrNameLst>
+                                      </p:cBhvr>
+                                      <p:to>
+                                        <p:strVal val="visible"/>
+                                      </p:to>
+                                    </p:set>
+                                    <p:animEffect transition="in" filter="fade">
+                                      <p:cBhvr>
+                                        <p:cTn id="30" dur="500"/>
+                                        <p:tgtEl>
+                                          <p:spTgt spid="3">
+                                            <p:txEl>
+                                              <p:pRg st="6" end="6"/>
+                                            </p:txEl>
+                                          </p:spTgt>
+                                        </p:tgtEl>
+                                      </p:cBhvr>
+                                    </p:animEffect>
+                                  </p:childTnLst>
+                                </p:cTn>
+                              </p:par>
+                            </p:childTnLst>
+                          </p:cTn>
+                        </p:par>
+                        <p:par>
+                          <p:cTn id="31" fill="hold">
+                            <p:stCondLst>
+                              <p:cond delay="1000"/>
+                            </p:stCondLst>
+                            <p:childTnLst>
+                              <p:par>
+                                <p:cTn id="32" presetID="10" presetClass="entr" presetSubtype="0" fill="hold" nodeType="afterEffect">
+                                  <p:stCondLst>
+                                    <p:cond delay="0"/>
+                                  </p:stCondLst>
+                                  <p:childTnLst>
+                                    <p:set>
+                                      <p:cBhvr>
+                                        <p:cTn id="33" dur="1" fill="hold">
+                                          <p:stCondLst>
+                                            <p:cond delay="0"/>
+                                          </p:stCondLst>
+                                        </p:cTn>
+                                        <p:tgtEl>
+                                          <p:spTgt spid="3">
+                                            <p:txEl>
+                                              <p:pRg st="7" end="7"/>
+                                            </p:txEl>
+                                          </p:spTgt>
+                                        </p:tgtEl>
+                                        <p:attrNameLst>
+                                          <p:attrName>style.visibility</p:attrName>
+                                        </p:attrNameLst>
+                                      </p:cBhvr>
+                                      <p:to>
+                                        <p:strVal val="visible"/>
+                                      </p:to>
+                                    </p:set>
+                                    <p:animEffect transition="in" filter="fade">
+                                      <p:cBhvr>
+                                        <p:cTn id="34" dur="500"/>
+                                        <p:tgtEl>
+                                          <p:spTgt spid="3">
+                                            <p:txEl>
+                                              <p:pRg st="7" end="7"/>
+                                            </p:txEl>
+                                          </p:spTgt>
+                                        </p:tgtEl>
+                                      </p:cBhvr>
+                                    </p:animEffect>
+                                  </p:childTnLst>
+                                </p:cTn>
+                              </p:par>
+                            </p:childTnLst>
+                          </p:cTn>
+                        </p:par>
+                      </p:childTnLst>
+                    </p:cTn>
+                  </p:par>
+                </p:childTnLst>
+              </p:cTn>
+              <p:prevCondLst>
+                <p:cond evt="onPrev" delay="0">
+                  <p:tgtEl>
+                    <p:sldTgt/>
+                  </p:tgtEl>
+                </p:cond>
+              </p:prevCondLst>
+              <p:nextCondLst>
+                <p:cond evt="onNext" delay="0">
+                  <p:tgtEl>
+                    <p:sldTgt/>
+                  </p:tgtEl>
+                </p:cond>
+              </p:nextCondLst>
+            </p:seq>
+          </p:childTnLst>
+        </p:cTn>
+      </p:par>
+    </p:tnLst>
+  </p:timing>
 </p:sld>
 </file>
 
@@ -11549,6 +12125,23 @@
 </file>
 
 <file path=customXml/item1.xml><?xml version="1.0" encoding="utf-8"?>
+<?mso-contentType ?>
+<FormTemplates xmlns="http://schemas.microsoft.com/sharepoint/v3/contenttype/forms">
+  <Display>DocumentLibraryForm</Display>
+  <Edit>DocumentLibraryForm</Edit>
+  <New>DocumentLibraryForm</New>
+</FormTemplates>
+</file>
+
+<file path=customXml/item2.xml><?xml version="1.0" encoding="utf-8"?>
+<p:properties xmlns:p="http://schemas.microsoft.com/office/2006/metadata/properties" xmlns:xsi="http://www.w3.org/2001/XMLSchema-instance" xmlns:pc="http://schemas.microsoft.com/office/infopath/2007/PartnerControls">
+  <documentManagement>
+    <MediaServiceKeyPoints xmlns="71af3243-3dd4-4a8d-8c0d-dd76da1f02a5" xsi:nil="true"/>
+  </documentManagement>
+</p:properties>
+</file>
+
+<file path=customXml/item3.xml><?xml version="1.0" encoding="utf-8"?>
 <ct:contentTypeSchema xmlns:ct="http://schemas.microsoft.com/office/2006/metadata/contentType" xmlns:ma="http://schemas.microsoft.com/office/2006/metadata/properties/metaAttributes" ct:_="" ma:_="" ma:contentTypeName="Document" ma:contentTypeID="0x01010079F111ED35F8CC479449609E8A0923A6" ma:contentTypeVersion="11" ma:contentTypeDescription="Create a new document." ma:contentTypeScope="" ma:versionID="9677210f24a1be23c92c90fd886aa0aa">
   <xsd:schema xmlns:xsd="http://www.w3.org/2001/XMLSchema" xmlns:xs="http://www.w3.org/2001/XMLSchema" xmlns:p="http://schemas.microsoft.com/office/2006/metadata/properties" xmlns:ns2="71af3243-3dd4-4a8d-8c0d-dd76da1f02a5" xmlns:ns3="16c05727-aa75-4e4a-9b5f-8a80a1165891" targetNamespace="http://schemas.microsoft.com/office/2006/metadata/properties" ma:root="true" ma:fieldsID="60e05723c5c1908df1a1a4ebf11d344e" ns2:_="" ns3:_="">
     <xsd:import namespace="71af3243-3dd4-4a8d-8c0d-dd76da1f02a5"/>
@@ -11759,24 +12352,25 @@
 </ct:contentTypeSchema>
 </file>
 
-<file path=customXml/item2.xml><?xml version="1.0" encoding="utf-8"?>
-<p:properties xmlns:p="http://schemas.microsoft.com/office/2006/metadata/properties" xmlns:xsi="http://www.w3.org/2001/XMLSchema-instance" xmlns:pc="http://schemas.microsoft.com/office/infopath/2007/PartnerControls">
-  <documentManagement>
-    <MediaServiceKeyPoints xmlns="71af3243-3dd4-4a8d-8c0d-dd76da1f02a5" xsi:nil="true"/>
-  </documentManagement>
-</p:properties>
+<file path=customXml/itemProps1.xml><?xml version="1.0" encoding="utf-8"?>
+<ds:datastoreItem xmlns:ds="http://schemas.openxmlformats.org/officeDocument/2006/customXml" ds:itemID="{DFEF6A1A-C688-4464-AB07-AB68677D0963}">
+  <ds:schemaRefs>
+    <ds:schemaRef ds:uri="http://schemas.microsoft.com/sharepoint/v3/contenttype/forms"/>
+  </ds:schemaRefs>
+</ds:datastoreItem>
 </file>
 
-<file path=customXml/item3.xml><?xml version="1.0" encoding="utf-8"?>
-<?mso-contentType ?>
-<FormTemplates xmlns="http://schemas.microsoft.com/sharepoint/v3/contenttype/forms">
-  <Display>DocumentLibraryForm</Display>
-  <Edit>DocumentLibraryForm</Edit>
-  <New>DocumentLibraryForm</New>
-</FormTemplates>
+<file path=customXml/itemProps2.xml><?xml version="1.0" encoding="utf-8"?>
+<ds:datastoreItem xmlns:ds="http://schemas.openxmlformats.org/officeDocument/2006/customXml" ds:itemID="{12C47A85-C19E-4256-8429-038D0FDE2DE5}">
+  <ds:schemaRefs>
+    <ds:schemaRef ds:uri="http://schemas.microsoft.com/office/2006/metadata/properties"/>
+    <ds:schemaRef ds:uri="http://schemas.microsoft.com/office/infopath/2007/PartnerControls"/>
+    <ds:schemaRef ds:uri="71af3243-3dd4-4a8d-8c0d-dd76da1f02a5"/>
+  </ds:schemaRefs>
+</ds:datastoreItem>
 </file>
 
-<file path=customXml/itemProps1.xml><?xml version="1.0" encoding="utf-8"?>
+<file path=customXml/itemProps3.xml><?xml version="1.0" encoding="utf-8"?>
 <ds:datastoreItem xmlns:ds="http://schemas.openxmlformats.org/officeDocument/2006/customXml" ds:itemID="{84178DDC-36E9-4EC8-A11F-9A81F92C0362}">
   <ds:schemaRefs>
     <ds:schemaRef ds:uri="http://schemas.microsoft.com/office/2006/metadata/contentType"/>
@@ -11793,22 +12387,4 @@
     <ds:schemaRef ds:uri="http://schemas.microsoft.com/internal/obd"/>
   </ds:schemaRefs>
 </ds:datastoreItem>
-</file>
-
-<file path=customXml/itemProps2.xml><?xml version="1.0" encoding="utf-8"?>
-<ds:datastoreItem xmlns:ds="http://schemas.openxmlformats.org/officeDocument/2006/customXml" ds:itemID="{12C47A85-C19E-4256-8429-038D0FDE2DE5}">
-  <ds:schemaRefs>
-    <ds:schemaRef ds:uri="http://schemas.microsoft.com/office/2006/metadata/properties"/>
-    <ds:schemaRef ds:uri="http://schemas.microsoft.com/office/infopath/2007/PartnerControls"/>
-    <ds:schemaRef ds:uri="71af3243-3dd4-4a8d-8c0d-dd76da1f02a5"/>
-  </ds:schemaRefs>
-</ds:datastoreItem>
-</file>
-
-<file path=customXml/itemProps3.xml><?xml version="1.0" encoding="utf-8"?>
-<ds:datastoreItem xmlns:ds="http://schemas.openxmlformats.org/officeDocument/2006/customXml" ds:itemID="{DFEF6A1A-C688-4464-AB07-AB68677D0963}">
-  <ds:schemaRefs>
-    <ds:schemaRef ds:uri="http://schemas.microsoft.com/sharepoint/v3/contenttype/forms"/>
-  </ds:schemaRefs>
-</ds:datastoreItem>
 </file>